--- a/docs/Presentation_Conduit_Opre_Erika.pptx
+++ b/docs/Presentation_Conduit_Opre_Erika.pptx
@@ -2994,141 +2994,166 @@
             <a:spLocks noGrp="1"/>
           </p:cNvSpPr>
           <p:nvPr>
-            <p:ph type="ctrTitle"/>
-          </p:nvPr>
-        </p:nvSpPr>
-        <p:spPr/>
+            <p:ph type="title"/>
+          </p:nvPr>
+        </p:nvSpPr>
+        <p:spPr>
+          <a:xfrm>
+            <a:off x="542107" y="608964"/>
+            <a:ext cx="10900956" cy="2526121"/>
+          </a:xfrm>
+        </p:spPr>
         <p:txBody>
           <a:bodyPr>
             <a:normAutofit/>
           </a:bodyPr>
           <a:lstStyle/>
           <a:p>
-            <a:r>
-              <a:rPr lang="en-US" sz="3600" dirty="0" err="1">
+            <a:pPr algn="ctr"/>
+            <a:r>
+              <a:rPr lang="en-US" sz="3600" b="1" i="1" dirty="0" err="1">
+                <a:latin typeface="+mn-lt"/>
                 <a:ea typeface="+mj-lt"/>
                 <a:cs typeface="+mj-lt"/>
               </a:rPr>
               <a:t>Vizsgaremek</a:t>
             </a:r>
             <a:r>
-              <a:rPr lang="en-US" sz="3600" dirty="0">
+              <a:rPr lang="en-US" sz="3600" b="1" i="1" dirty="0">
+                <a:latin typeface="+mn-lt"/>
                 <a:ea typeface="+mj-lt"/>
                 <a:cs typeface="+mj-lt"/>
               </a:rPr>
               <a:t> </a:t>
             </a:r>
             <a:r>
-              <a:rPr lang="en-US" sz="3600" dirty="0" err="1">
+              <a:rPr lang="en-US" sz="3600" b="1" i="1" dirty="0" err="1">
+                <a:latin typeface="+mn-lt"/>
                 <a:ea typeface="+mj-lt"/>
                 <a:cs typeface="+mj-lt"/>
               </a:rPr>
               <a:t>prezentáció</a:t>
             </a:r>
             <a:r>
-              <a:rPr lang="en-US" sz="3600" dirty="0">
+              <a:rPr lang="en-US" sz="3600" b="1" i="1" dirty="0">
+                <a:latin typeface="+mn-lt"/>
                 <a:ea typeface="+mj-lt"/>
                 <a:cs typeface="+mj-lt"/>
               </a:rPr>
               <a:t/>
             </a:r>
             <a:br>
-              <a:rPr lang="en-US" sz="3600" dirty="0">
+              <a:rPr lang="en-US" sz="3600" b="1" i="1" dirty="0">
+                <a:latin typeface="+mn-lt"/>
                 <a:ea typeface="+mj-lt"/>
                 <a:cs typeface="+mj-lt"/>
               </a:rPr>
             </a:br>
             <a:r>
-              <a:rPr lang="en-US" sz="3600" dirty="0">
+              <a:rPr lang="en-US" sz="3600" b="1" i="1" dirty="0">
+                <a:latin typeface="+mn-lt"/>
                 <a:ea typeface="+mj-lt"/>
                 <a:cs typeface="+mj-lt"/>
               </a:rPr>
               <a:t>Junior </a:t>
             </a:r>
             <a:r>
-              <a:rPr lang="en-US" sz="3600" dirty="0" err="1">
+              <a:rPr lang="en-US" sz="3600" b="1" i="1" dirty="0" err="1">
+                <a:latin typeface="+mn-lt"/>
                 <a:ea typeface="+mj-lt"/>
                 <a:cs typeface="+mj-lt"/>
               </a:rPr>
               <a:t>automatizált</a:t>
             </a:r>
             <a:r>
-              <a:rPr lang="en-US" sz="3600" dirty="0">
+              <a:rPr lang="en-US" sz="3600" b="1" i="1" dirty="0">
+                <a:latin typeface="+mn-lt"/>
                 <a:ea typeface="+mj-lt"/>
                 <a:cs typeface="+mj-lt"/>
               </a:rPr>
               <a:t> </a:t>
             </a:r>
             <a:r>
-              <a:rPr lang="en-US" sz="3600" dirty="0" err="1">
+              <a:rPr lang="en-US" sz="3600" b="1" i="1" dirty="0" err="1">
+                <a:latin typeface="+mn-lt"/>
                 <a:ea typeface="+mj-lt"/>
                 <a:cs typeface="+mj-lt"/>
               </a:rPr>
               <a:t>tesztelő</a:t>
             </a:r>
             <a:r>
-              <a:rPr lang="en-US" sz="3600" dirty="0">
+              <a:rPr lang="en-US" sz="3600" b="1" i="1" dirty="0">
+                <a:latin typeface="+mn-lt"/>
                 <a:ea typeface="+mj-lt"/>
                 <a:cs typeface="+mj-lt"/>
               </a:rPr>
               <a:t> </a:t>
             </a:r>
             <a:r>
-              <a:rPr lang="en-US" sz="3600" dirty="0" err="1">
+              <a:rPr lang="en-US" sz="3600" b="1" i="1" dirty="0" err="1">
+                <a:latin typeface="+mn-lt"/>
                 <a:ea typeface="+mj-lt"/>
                 <a:cs typeface="+mj-lt"/>
               </a:rPr>
               <a:t>szakirány</a:t>
             </a:r>
             <a:r>
-              <a:rPr lang="en-US" sz="3600" dirty="0">
+              <a:rPr lang="en-US" sz="3600" b="1" i="1" dirty="0">
+                <a:latin typeface="+mn-lt"/>
                 <a:ea typeface="+mj-lt"/>
                 <a:cs typeface="+mj-lt"/>
               </a:rPr>
               <a:t/>
             </a:r>
             <a:br>
-              <a:rPr lang="en-US" sz="3600" dirty="0">
+              <a:rPr lang="en-US" sz="3600" b="1" i="1" dirty="0">
+                <a:latin typeface="+mn-lt"/>
                 <a:ea typeface="+mj-lt"/>
                 <a:cs typeface="+mj-lt"/>
               </a:rPr>
             </a:br>
             <a:r>
-              <a:rPr lang="en-US" sz="3600" dirty="0" err="1">
+              <a:rPr lang="en-US" sz="3600" b="1" i="1" dirty="0" err="1">
+                <a:latin typeface="+mn-lt"/>
                 <a:ea typeface="+mj-lt"/>
                 <a:cs typeface="+mj-lt"/>
               </a:rPr>
               <a:t>Tesztelt</a:t>
             </a:r>
             <a:r>
-              <a:rPr lang="en-US" sz="3600" dirty="0">
+              <a:rPr lang="en-US" sz="3600" b="1" i="1" dirty="0">
+                <a:latin typeface="+mn-lt"/>
                 <a:ea typeface="+mj-lt"/>
                 <a:cs typeface="+mj-lt"/>
               </a:rPr>
               <a:t> </a:t>
             </a:r>
             <a:r>
-              <a:rPr lang="en-US" sz="3600" dirty="0" err="1">
+              <a:rPr lang="en-US" sz="3600" b="1" i="1" dirty="0" err="1">
+                <a:latin typeface="+mn-lt"/>
                 <a:ea typeface="+mj-lt"/>
                 <a:cs typeface="+mj-lt"/>
               </a:rPr>
               <a:t>alkalmazás</a:t>
             </a:r>
             <a:r>
-              <a:rPr lang="en-US" sz="3600" dirty="0">
+              <a:rPr lang="en-US" sz="3600" b="1" i="1" dirty="0">
+                <a:latin typeface="+mn-lt"/>
                 <a:ea typeface="+mj-lt"/>
                 <a:cs typeface="+mj-lt"/>
               </a:rPr>
               <a:t>: Conduit </a:t>
             </a:r>
             <a:r>
-              <a:rPr lang="en-US" sz="3600" dirty="0" err="1">
+              <a:rPr lang="en-US" sz="3600" b="1" i="1" dirty="0" err="1">
+                <a:latin typeface="+mn-lt"/>
                 <a:ea typeface="+mj-lt"/>
                 <a:cs typeface="+mj-lt"/>
               </a:rPr>
               <a:t>applikáció</a:t>
             </a:r>
-            <a:endParaRPr lang="en-US" sz="3600" dirty="0">
+            <a:endParaRPr lang="en-US" sz="3600" b="1" i="1" dirty="0">
+              <a:latin typeface="+mn-lt"/>
               <a:ea typeface="+mj-lt"/>
               <a:cs typeface="+mj-lt"/>
             </a:endParaRPr>
@@ -3142,21 +3167,24 @@
             <a:spLocks noGrp="1"/>
           </p:cNvSpPr>
           <p:nvPr>
-            <p:ph type="subTitle" idx="1"/>
+            <p:ph sz="half" idx="1"/>
           </p:nvPr>
         </p:nvSpPr>
         <p:spPr>
           <a:xfrm>
-            <a:off x="198590" y="4680190"/>
-            <a:ext cx="5008454" cy="1883449"/>
+            <a:off x="200298" y="4702629"/>
+            <a:ext cx="5434148" cy="1474333"/>
           </a:xfrm>
         </p:spPr>
         <p:txBody>
           <a:bodyPr vert="horz" lIns="91440" tIns="45720" rIns="91440" bIns="45720" rtlCol="0" anchor="t">
-            <a:normAutofit/>
+            <a:normAutofit lnSpcReduction="10000"/>
           </a:bodyPr>
           <a:lstStyle/>
           <a:p>
+            <a:pPr marL="0" indent="0">
+              <a:buNone/>
+            </a:pPr>
             <a:r>
               <a:rPr lang="en-US" dirty="0" err="1">
                 <a:cs typeface="Calibri"/>
@@ -3171,6 +3199,9 @@
             </a:r>
           </a:p>
           <a:p>
+            <a:pPr marL="0" indent="0">
+              <a:buNone/>
+            </a:pPr>
             <a:r>
               <a:rPr lang="en-US" dirty="0">
                 <a:cs typeface="Calibri"/>
@@ -3179,12 +3210,101 @@
             </a:r>
           </a:p>
           <a:p>
+            <a:pPr marL="0" indent="0">
+              <a:buNone/>
+            </a:pPr>
             <a:r>
               <a:rPr lang="en-US" dirty="0">
                 <a:cs typeface="Calibri"/>
               </a:rPr>
               <a:t>2021.08.16.</a:t>
             </a:r>
+          </a:p>
+        </p:txBody>
+      </p:sp>
+      <p:sp>
+        <p:nvSpPr>
+          <p:cNvPr id="4" name="Tartalom helye 3"/>
+          <p:cNvSpPr>
+            <a:spLocks noGrp="1"/>
+          </p:cNvSpPr>
+          <p:nvPr>
+            <p:ph sz="half" idx="2"/>
+          </p:nvPr>
+        </p:nvSpPr>
+        <p:spPr>
+          <a:xfrm>
+            <a:off x="5259977" y="3135085"/>
+            <a:ext cx="6592389" cy="2380026"/>
+          </a:xfrm>
+        </p:spPr>
+        <p:txBody>
+          <a:bodyPr>
+            <a:normAutofit lnSpcReduction="10000"/>
+          </a:bodyPr>
+          <a:lstStyle/>
+          <a:p>
+            <a:pPr marL="0" indent="0">
+              <a:buNone/>
+            </a:pPr>
+            <a:r>
+              <a:rPr lang="hu-HU" dirty="0" smtClean="0"/>
+              <a:t>Tartalom:</a:t>
+            </a:r>
+          </a:p>
+          <a:p>
+            <a:pPr lvl="2"/>
+            <a:r>
+              <a:rPr lang="hu-HU" sz="2800" dirty="0" smtClean="0"/>
+              <a:t>Conduit alkalmazás bemutatása</a:t>
+            </a:r>
+          </a:p>
+          <a:p>
+            <a:pPr lvl="4"/>
+            <a:r>
+              <a:rPr lang="hu-HU" sz="2600" dirty="0" smtClean="0"/>
+              <a:t>Fő funkciók</a:t>
+            </a:r>
+          </a:p>
+          <a:p>
+            <a:pPr lvl="2"/>
+            <a:r>
+              <a:rPr lang="hu-HU" sz="2800" dirty="0" err="1" smtClean="0"/>
+              <a:t>Github</a:t>
+            </a:r>
+            <a:r>
+              <a:rPr lang="hu-HU" sz="2800" dirty="0" smtClean="0"/>
+              <a:t> </a:t>
+            </a:r>
+            <a:r>
+              <a:rPr lang="hu-HU" sz="2800" dirty="0" err="1" smtClean="0"/>
+              <a:t>workflow</a:t>
+            </a:r>
+            <a:endParaRPr lang="hu-HU" sz="2800" dirty="0" smtClean="0"/>
+          </a:p>
+          <a:p>
+            <a:pPr lvl="2"/>
+            <a:r>
+              <a:rPr lang="hu-HU" sz="2800" dirty="0" smtClean="0"/>
+              <a:t>Tesztjelentés (</a:t>
+            </a:r>
+            <a:r>
+              <a:rPr lang="hu-HU" sz="2800" dirty="0" err="1" smtClean="0"/>
+              <a:t>Allure</a:t>
+            </a:r>
+            <a:r>
+              <a:rPr lang="hu-HU" sz="2800" dirty="0" smtClean="0"/>
+              <a:t> </a:t>
+            </a:r>
+            <a:r>
+              <a:rPr lang="hu-HU" sz="2800" dirty="0" err="1" smtClean="0"/>
+              <a:t>report</a:t>
+            </a:r>
+            <a:r>
+              <a:rPr lang="hu-HU" sz="2800" dirty="0" smtClean="0"/>
+              <a:t>)</a:t>
+            </a:r>
+            <a:endParaRPr lang="hu-HU" sz="2800" dirty="0"/>
           </a:p>
         </p:txBody>
       </p:sp>
@@ -3416,15 +3536,107 @@
           </a:p>
         </p:txBody>
       </p:sp>
+      <p:sp>
+        <p:nvSpPr>
+          <p:cNvPr id="3" name="Téglalap 2"/>
+          <p:cNvSpPr/>
+          <p:nvPr/>
+        </p:nvSpPr>
+        <p:spPr>
+          <a:xfrm>
+            <a:off x="416112" y="1563739"/>
+            <a:ext cx="3630033" cy="1754326"/>
+          </a:xfrm>
+          <a:prstGeom prst="rect">
+            <a:avLst/>
+          </a:prstGeom>
+        </p:spPr>
+        <p:txBody>
+          <a:bodyPr wrap="none">
+            <a:spAutoFit/>
+          </a:bodyPr>
+          <a:lstStyle/>
+          <a:p>
+            <a:r>
+              <a:rPr lang="hu-HU" b="1" dirty="0" err="1" smtClean="0">
+                <a:ea typeface="+mj-lt"/>
+                <a:cs typeface="+mj-lt"/>
+              </a:rPr>
+              <a:t>Github</a:t>
+            </a:r>
+            <a:r>
+              <a:rPr lang="hu-HU" b="1" dirty="0" smtClean="0">
+                <a:ea typeface="+mj-lt"/>
+                <a:cs typeface="+mj-lt"/>
+              </a:rPr>
+              <a:t> telepíti a futtató környezetet</a:t>
+            </a:r>
+          </a:p>
+          <a:p>
+            <a:r>
+              <a:rPr lang="hu-HU" b="1" dirty="0" err="1" smtClean="0">
+                <a:ea typeface="+mj-lt"/>
+                <a:cs typeface="+mj-lt"/>
+              </a:rPr>
+              <a:t>Docker</a:t>
+            </a:r>
+            <a:r>
+              <a:rPr lang="hu-HU" b="1" dirty="0" smtClean="0">
+                <a:ea typeface="+mj-lt"/>
+                <a:cs typeface="+mj-lt"/>
+              </a:rPr>
+              <a:t> konténer indítás</a:t>
+            </a:r>
+          </a:p>
+          <a:p>
+            <a:r>
+              <a:rPr lang="hu-HU" b="1" dirty="0" err="1" smtClean="0">
+                <a:ea typeface="+mj-lt"/>
+                <a:cs typeface="+mj-lt"/>
+              </a:rPr>
+              <a:t>Pytest</a:t>
+            </a:r>
+            <a:r>
+              <a:rPr lang="hu-HU" b="1" dirty="0" smtClean="0">
+                <a:ea typeface="+mj-lt"/>
+                <a:cs typeface="+mj-lt"/>
+              </a:rPr>
+              <a:t> futtatás</a:t>
+            </a:r>
+          </a:p>
+          <a:p>
+            <a:r>
+              <a:rPr lang="hu-HU" b="1" dirty="0" smtClean="0">
+                <a:ea typeface="+mj-lt"/>
+                <a:cs typeface="+mj-lt"/>
+              </a:rPr>
+              <a:t>Riport készítés</a:t>
+            </a:r>
+          </a:p>
+          <a:p>
+            <a:r>
+              <a:rPr lang="hu-HU" b="1" dirty="0" smtClean="0">
+                <a:ea typeface="+mj-lt"/>
+                <a:cs typeface="+mj-lt"/>
+              </a:rPr>
+              <a:t>Takarítás</a:t>
+            </a:r>
+          </a:p>
+          <a:p>
+            <a:r>
+              <a:rPr lang="hu-HU" b="1" dirty="0">
+                <a:ea typeface="+mj-lt"/>
+                <a:cs typeface="+mj-lt"/>
+              </a:rPr>
+              <a:t>	</a:t>
+            </a:r>
+            <a:endParaRPr lang="hu-HU" dirty="0"/>
+          </a:p>
+        </p:txBody>
+      </p:sp>
       <p:pic>
         <p:nvPicPr>
-          <p:cNvPr id="6" name="Picture 6" descr="Text&#10;&#10;Description automatically generated">
-            <a:extLst>
-              <a:ext uri="{FF2B5EF4-FFF2-40B4-BE49-F238E27FC236}">
-                <a16:creationId xmlns:a16="http://schemas.microsoft.com/office/drawing/2014/main" id="{DC5E990C-7485-42E2-BD2F-2B0249A5DDE9}"/>
-              </a:ext>
-            </a:extLst>
-          </p:cNvPr>
+          <p:cNvPr id="4" name="Kép 3"/>
           <p:cNvPicPr>
             <a:picLocks noChangeAspect="1"/>
           </p:cNvPicPr>
@@ -3438,8 +3650,32 @@
         </p:blipFill>
         <p:spPr>
           <a:xfrm>
-            <a:off x="3837139" y="1781454"/>
-            <a:ext cx="8045885" cy="4839968"/>
+            <a:off x="8384397" y="52750"/>
+            <a:ext cx="3711262" cy="6805250"/>
+          </a:xfrm>
+          <a:prstGeom prst="rect">
+            <a:avLst/>
+          </a:prstGeom>
+        </p:spPr>
+      </p:pic>
+      <p:pic>
+        <p:nvPicPr>
+          <p:cNvPr id="5" name="Kép 4"/>
+          <p:cNvPicPr>
+            <a:picLocks noChangeAspect="1"/>
+          </p:cNvPicPr>
+          <p:nvPr/>
+        </p:nvPicPr>
+        <p:blipFill>
+          <a:blip r:embed="rId3"/>
+          <a:stretch>
+            <a:fillRect/>
+          </a:stretch>
+        </p:blipFill>
+        <p:spPr>
+          <a:xfrm>
+            <a:off x="2145720" y="2866083"/>
+            <a:ext cx="6238677" cy="3991917"/>
           </a:xfrm>
           <a:prstGeom prst="rect">
             <a:avLst/>
@@ -3490,7 +3726,7 @@
         </p:nvSpPr>
         <p:spPr>
           <a:xfrm>
-            <a:off x="3168433" y="123956"/>
+            <a:off x="2994261" y="132665"/>
             <a:ext cx="6488219" cy="954107"/>
           </a:xfrm>
           <a:prstGeom prst="rect">
@@ -3542,7 +3778,7 @@
               </a:rPr>
               <a:t>riport</a:t>
             </a:r>
-            <a:endParaRPr lang="en-US" sz="2800" b="1">
+            <a:endParaRPr lang="en-US" sz="2800" b="1" dirty="0">
               <a:latin typeface="Calibri Light"/>
               <a:cs typeface="Calibri Light"/>
             </a:endParaRPr>
@@ -3553,7 +3789,7 @@
                 <a:ea typeface="+mn-lt"/>
                 <a:cs typeface="+mn-lt"/>
               </a:rPr>
-              <a:t>http://192.168.239.1:59635/index.html#</a:t>
+              <a:t>https://mirkics.github.io/conduit/40/</a:t>
             </a:r>
             <a:endParaRPr lang="en-US" dirty="0"/>
           </a:p>
@@ -3561,13 +3797,7 @@
       </p:sp>
       <p:pic>
         <p:nvPicPr>
-          <p:cNvPr id="5" name="Picture 5" descr="Chart&#10;&#10;Description automatically generated">
-            <a:extLst>
-              <a:ext uri="{FF2B5EF4-FFF2-40B4-BE49-F238E27FC236}">
-                <a16:creationId xmlns:a16="http://schemas.microsoft.com/office/drawing/2014/main" id="{CA5AE884-F286-4295-87D6-07F1A9DF745D}"/>
-              </a:ext>
-            </a:extLst>
-          </p:cNvPr>
+          <p:cNvPr id="5" name="Kép 4"/>
           <p:cNvPicPr>
             <a:picLocks noChangeAspect="1"/>
           </p:cNvPicPr>
@@ -3581,8 +3811,8 @@
         </p:blipFill>
         <p:spPr>
           <a:xfrm>
-            <a:off x="465552" y="1108103"/>
-            <a:ext cx="8964459" cy="4474783"/>
+            <a:off x="248952" y="1049760"/>
+            <a:ext cx="7635902" cy="4168501"/>
           </a:xfrm>
           <a:prstGeom prst="rect">
             <a:avLst/>
@@ -3591,13 +3821,7 @@
       </p:pic>
       <p:pic>
         <p:nvPicPr>
-          <p:cNvPr id="7" name="Picture 7" descr="Graphical user interface, application, table&#10;&#10;Description automatically generated">
-            <a:extLst>
-              <a:ext uri="{FF2B5EF4-FFF2-40B4-BE49-F238E27FC236}">
-                <a16:creationId xmlns:a16="http://schemas.microsoft.com/office/drawing/2014/main" id="{CCABAC48-071E-4858-BF2D-E52B7BB40855}"/>
-              </a:ext>
-            </a:extLst>
-          </p:cNvPr>
+          <p:cNvPr id="7" name="Kép 6"/>
           <p:cNvPicPr>
             <a:picLocks noChangeAspect="1"/>
           </p:cNvPicPr>
@@ -3611,8 +3835,8 @@
         </p:blipFill>
         <p:spPr>
           <a:xfrm>
-            <a:off x="5580346" y="3433468"/>
-            <a:ext cx="4371582" cy="3383530"/>
+            <a:off x="7884854" y="3946908"/>
+            <a:ext cx="3856054" cy="2911092"/>
           </a:xfrm>
           <a:prstGeom prst="rect">
             <a:avLst/>

--- a/docs/Presentation_Conduit_Opre_Erika.pptx
+++ b/docs/Presentation_Conduit_Opre_Erika.pptx
@@ -119,11 +119,297 @@
 <file path=ppt/revisionInfo.xml><?xml version="1.0" encoding="utf-8"?>
 <p1510:revInfo xmlns:a="http://schemas.openxmlformats.org/drawingml/2006/main" xmlns:r="http://schemas.openxmlformats.org/officeDocument/2006/relationships" xmlns:p1510="http://schemas.microsoft.com/office/powerpoint/2015/10/main">
   <p1510:revLst>
-    <p1510:client id="{2C4B1486-E6B0-41B9-92F8-507B357FE244}" v="224" dt="2021-08-16T00:33:53.938"/>
-    <p1510:client id="{C6017276-43B6-3A33-60B4-DC498A548CCB}" v="187" dt="2021-08-16T00:51:35.411"/>
-    <p1510:client id="{D370BE62-B384-04F1-A726-6F402BFF438E}" v="5" dt="2021-08-16T00:55:17.099"/>
+    <p1510:client id="{EC64960A-8D0F-4F17-8D19-4A1A8D8504E5}" v="20" dt="2021-09-07T09:30:03.593"/>
   </p1510:revLst>
 </p1510:revInfo>
+</file>
+
+<file path=ppt/changesInfos/changesInfo1.xml><?xml version="1.0" encoding="utf-8"?>
+<pc:chgInfo xmlns:a="http://schemas.openxmlformats.org/drawingml/2006/main" xmlns:r="http://schemas.openxmlformats.org/officeDocument/2006/relationships" xmlns:ac="http://schemas.microsoft.com/office/drawing/2013/main/command" xmlns:pc="http://schemas.microsoft.com/office/powerpoint/2013/main/command">
+  <pc:docChgLst>
+    <pc:chgData name="Erika Opre" userId="b3dc1537-398f-4730-8a97-e88c2193b118" providerId="ADAL" clId="{EC64960A-8D0F-4F17-8D19-4A1A8D8504E5}"/>
+    <pc:docChg chg="undo redo custSel addSld delSld modSld">
+      <pc:chgData name="Erika Opre" userId="b3dc1537-398f-4730-8a97-e88c2193b118" providerId="ADAL" clId="{EC64960A-8D0F-4F17-8D19-4A1A8D8504E5}" dt="2021-09-07T09:37:20.465" v="551" actId="2696"/>
+      <pc:docMkLst>
+        <pc:docMk/>
+      </pc:docMkLst>
+      <pc:sldChg chg="addSp delSp modSp mod setBg addAnim delAnim">
+        <pc:chgData name="Erika Opre" userId="b3dc1537-398f-4730-8a97-e88c2193b118" providerId="ADAL" clId="{EC64960A-8D0F-4F17-8D19-4A1A8D8504E5}" dt="2021-09-07T09:37:12.765" v="550" actId="1076"/>
+        <pc:sldMkLst>
+          <pc:docMk/>
+          <pc:sldMk cId="109857222" sldId="256"/>
+        </pc:sldMkLst>
+        <pc:spChg chg="mod">
+          <ac:chgData name="Erika Opre" userId="b3dc1537-398f-4730-8a97-e88c2193b118" providerId="ADAL" clId="{EC64960A-8D0F-4F17-8D19-4A1A8D8504E5}" dt="2021-09-07T09:25:13.255" v="414" actId="207"/>
+          <ac:spMkLst>
+            <pc:docMk/>
+            <pc:sldMk cId="109857222" sldId="256"/>
+            <ac:spMk id="2" creationId="{00000000-0000-0000-0000-000000000000}"/>
+          </ac:spMkLst>
+        </pc:spChg>
+        <pc:spChg chg="mod">
+          <ac:chgData name="Erika Opre" userId="b3dc1537-398f-4730-8a97-e88c2193b118" providerId="ADAL" clId="{EC64960A-8D0F-4F17-8D19-4A1A8D8504E5}" dt="2021-09-07T08:50:25.296" v="108" actId="26606"/>
+          <ac:spMkLst>
+            <pc:docMk/>
+            <pc:sldMk cId="109857222" sldId="256"/>
+            <ac:spMk id="3" creationId="{00000000-0000-0000-0000-000000000000}"/>
+          </ac:spMkLst>
+        </pc:spChg>
+        <pc:spChg chg="add del">
+          <ac:chgData name="Erika Opre" userId="b3dc1537-398f-4730-8a97-e88c2193b118" providerId="ADAL" clId="{EC64960A-8D0F-4F17-8D19-4A1A8D8504E5}" dt="2021-09-07T08:50:25.296" v="108" actId="26606"/>
+          <ac:spMkLst>
+            <pc:docMk/>
+            <pc:sldMk cId="109857222" sldId="256"/>
+            <ac:spMk id="5" creationId="{6DDA8CE9-E0A6-4FF2-823D-D08607606DC2}"/>
+          </ac:spMkLst>
+        </pc:spChg>
+        <pc:spChg chg="add del">
+          <ac:chgData name="Erika Opre" userId="b3dc1537-398f-4730-8a97-e88c2193b118" providerId="ADAL" clId="{EC64960A-8D0F-4F17-8D19-4A1A8D8504E5}" dt="2021-09-07T08:50:25.296" v="108" actId="26606"/>
+          <ac:spMkLst>
+            <pc:docMk/>
+            <pc:sldMk cId="109857222" sldId="256"/>
+            <ac:spMk id="6" creationId="{11195564-33B9-434B-9641-764F5905A56F}"/>
+          </ac:spMkLst>
+        </pc:spChg>
+        <pc:spChg chg="add del">
+          <ac:chgData name="Erika Opre" userId="b3dc1537-398f-4730-8a97-e88c2193b118" providerId="ADAL" clId="{EC64960A-8D0F-4F17-8D19-4A1A8D8504E5}" dt="2021-09-07T08:48:24.502" v="87" actId="26606"/>
+          <ac:spMkLst>
+            <pc:docMk/>
+            <pc:sldMk cId="109857222" sldId="256"/>
+            <ac:spMk id="8" creationId="{A8DB9CD9-59B1-4D73-BC4C-98796A48EF9B}"/>
+          </ac:spMkLst>
+        </pc:spChg>
+        <pc:spChg chg="add del">
+          <ac:chgData name="Erika Opre" userId="b3dc1537-398f-4730-8a97-e88c2193b118" providerId="ADAL" clId="{EC64960A-8D0F-4F17-8D19-4A1A8D8504E5}" dt="2021-09-07T08:48:24.502" v="87" actId="26606"/>
+          <ac:spMkLst>
+            <pc:docMk/>
+            <pc:sldMk cId="109857222" sldId="256"/>
+            <ac:spMk id="10" creationId="{8874A6A9-41FF-4E33-AFA8-F9F81436A59E}"/>
+          </ac:spMkLst>
+        </pc:spChg>
+        <pc:spChg chg="add mod">
+          <ac:chgData name="Erika Opre" userId="b3dc1537-398f-4730-8a97-e88c2193b118" providerId="ADAL" clId="{EC64960A-8D0F-4F17-8D19-4A1A8D8504E5}" dt="2021-09-07T09:37:12.765" v="550" actId="1076"/>
+          <ac:spMkLst>
+            <pc:docMk/>
+            <pc:sldMk cId="109857222" sldId="256"/>
+            <ac:spMk id="26" creationId="{5972D769-9E9C-4A7A-A830-76965A43CC08}"/>
+          </ac:spMkLst>
+        </pc:spChg>
+        <pc:grpChg chg="add del">
+          <ac:chgData name="Erika Opre" userId="b3dc1537-398f-4730-8a97-e88c2193b118" providerId="ADAL" clId="{EC64960A-8D0F-4F17-8D19-4A1A8D8504E5}" dt="2021-09-07T08:50:25.296" v="108" actId="26606"/>
+          <ac:grpSpMkLst>
+            <pc:docMk/>
+            <pc:sldMk cId="109857222" sldId="256"/>
+            <ac:grpSpMk id="7" creationId="{1D18C537-E336-47C4-836B-C342A230F8F3}"/>
+          </ac:grpSpMkLst>
+        </pc:grpChg>
+        <pc:grpChg chg="add del">
+          <ac:chgData name="Erika Opre" userId="b3dc1537-398f-4730-8a97-e88c2193b118" providerId="ADAL" clId="{EC64960A-8D0F-4F17-8D19-4A1A8D8504E5}" dt="2021-09-07T08:48:24.502" v="87" actId="26606"/>
+          <ac:grpSpMkLst>
+            <pc:docMk/>
+            <pc:sldMk cId="109857222" sldId="256"/>
+            <ac:grpSpMk id="12" creationId="{721D730E-1F97-4071-B143-B05E6D2599BC}"/>
+          </ac:grpSpMkLst>
+        </pc:grpChg>
+        <pc:grpChg chg="add del">
+          <ac:chgData name="Erika Opre" userId="b3dc1537-398f-4730-8a97-e88c2193b118" providerId="ADAL" clId="{EC64960A-8D0F-4F17-8D19-4A1A8D8504E5}" dt="2021-09-07T08:50:25.296" v="108" actId="26606"/>
+          <ac:grpSpMkLst>
+            <pc:docMk/>
+            <pc:sldMk cId="109857222" sldId="256"/>
+            <ac:grpSpMk id="24" creationId="{5A1259D8-0C3A-4069-A22F-537BBBB61A9C}"/>
+          </ac:grpSpMkLst>
+        </pc:grpChg>
+      </pc:sldChg>
+      <pc:sldChg chg="addSp delSp modSp mod setBg">
+        <pc:chgData name="Erika Opre" userId="b3dc1537-398f-4730-8a97-e88c2193b118" providerId="ADAL" clId="{EC64960A-8D0F-4F17-8D19-4A1A8D8504E5}" dt="2021-09-07T08:55:25.911" v="125" actId="790"/>
+        <pc:sldMkLst>
+          <pc:docMk/>
+          <pc:sldMk cId="1191532736" sldId="257"/>
+        </pc:sldMkLst>
+        <pc:spChg chg="mod">
+          <ac:chgData name="Erika Opre" userId="b3dc1537-398f-4730-8a97-e88c2193b118" providerId="ADAL" clId="{EC64960A-8D0F-4F17-8D19-4A1A8D8504E5}" dt="2021-09-07T08:55:25.911" v="125" actId="790"/>
+          <ac:spMkLst>
+            <pc:docMk/>
+            <pc:sldMk cId="1191532736" sldId="257"/>
+            <ac:spMk id="4" creationId="{8C0AAD0E-9D37-4E7A-A64D-DA14CF1D100A}"/>
+          </ac:spMkLst>
+        </pc:spChg>
+        <pc:picChg chg="add mod">
+          <ac:chgData name="Erika Opre" userId="b3dc1537-398f-4730-8a97-e88c2193b118" providerId="ADAL" clId="{EC64960A-8D0F-4F17-8D19-4A1A8D8504E5}" dt="2021-09-07T08:43:56.262" v="74" actId="1076"/>
+          <ac:picMkLst>
+            <pc:docMk/>
+            <pc:sldMk cId="1191532736" sldId="257"/>
+            <ac:picMk id="3" creationId="{4B6AF25C-36F2-4445-8C32-CA3DD5C20838}"/>
+          </ac:picMkLst>
+        </pc:picChg>
+        <pc:picChg chg="del mod">
+          <ac:chgData name="Erika Opre" userId="b3dc1537-398f-4730-8a97-e88c2193b118" providerId="ADAL" clId="{EC64960A-8D0F-4F17-8D19-4A1A8D8504E5}" dt="2021-09-07T08:44:06.121" v="75" actId="478"/>
+          <ac:picMkLst>
+            <pc:docMk/>
+            <pc:sldMk cId="1191532736" sldId="257"/>
+            <ac:picMk id="5" creationId="{CA5AE884-F286-4295-87D6-07F1A9DF745D}"/>
+          </ac:picMkLst>
+        </pc:picChg>
+        <pc:picChg chg="del">
+          <ac:chgData name="Erika Opre" userId="b3dc1537-398f-4730-8a97-e88c2193b118" providerId="ADAL" clId="{EC64960A-8D0F-4F17-8D19-4A1A8D8504E5}" dt="2021-09-07T08:44:07.256" v="76" actId="478"/>
+          <ac:picMkLst>
+            <pc:docMk/>
+            <pc:sldMk cId="1191532736" sldId="257"/>
+            <ac:picMk id="7" creationId="{CCABAC48-071E-4858-BF2D-E52B7BB40855}"/>
+          </ac:picMkLst>
+        </pc:picChg>
+        <pc:picChg chg="add mod">
+          <ac:chgData name="Erika Opre" userId="b3dc1537-398f-4730-8a97-e88c2193b118" providerId="ADAL" clId="{EC64960A-8D0F-4F17-8D19-4A1A8D8504E5}" dt="2021-09-07T08:46:57.350" v="78" actId="1076"/>
+          <ac:picMkLst>
+            <pc:docMk/>
+            <pc:sldMk cId="1191532736" sldId="257"/>
+            <ac:picMk id="8" creationId="{7427966B-5C4C-4569-ADA4-0E3FBF15F94A}"/>
+          </ac:picMkLst>
+        </pc:picChg>
+      </pc:sldChg>
+      <pc:sldChg chg="addSp delSp modSp mod setBg chgLayout">
+        <pc:chgData name="Erika Opre" userId="b3dc1537-398f-4730-8a97-e88c2193b118" providerId="ADAL" clId="{EC64960A-8D0F-4F17-8D19-4A1A8D8504E5}" dt="2021-09-07T09:24:57.909" v="413" actId="313"/>
+        <pc:sldMkLst>
+          <pc:docMk/>
+          <pc:sldMk cId="2699386965" sldId="258"/>
+        </pc:sldMkLst>
+        <pc:spChg chg="mod ord">
+          <ac:chgData name="Erika Opre" userId="b3dc1537-398f-4730-8a97-e88c2193b118" providerId="ADAL" clId="{EC64960A-8D0F-4F17-8D19-4A1A8D8504E5}" dt="2021-09-07T09:24:57.909" v="413" actId="313"/>
+          <ac:spMkLst>
+            <pc:docMk/>
+            <pc:sldMk cId="2699386965" sldId="258"/>
+            <ac:spMk id="2" creationId="{00000000-0000-0000-0000-000000000000}"/>
+          </ac:spMkLst>
+        </pc:spChg>
+        <pc:spChg chg="add mod ord">
+          <ac:chgData name="Erika Opre" userId="b3dc1537-398f-4730-8a97-e88c2193b118" providerId="ADAL" clId="{EC64960A-8D0F-4F17-8D19-4A1A8D8504E5}" dt="2021-09-07T09:24:14.339" v="405" actId="1076"/>
+          <ac:spMkLst>
+            <pc:docMk/>
+            <pc:sldMk cId="2699386965" sldId="258"/>
+            <ac:spMk id="10" creationId="{187F0621-954B-47D3-AF6A-503A0844E58A}"/>
+          </ac:spMkLst>
+        </pc:spChg>
+        <pc:picChg chg="add del">
+          <ac:chgData name="Erika Opre" userId="b3dc1537-398f-4730-8a97-e88c2193b118" providerId="ADAL" clId="{EC64960A-8D0F-4F17-8D19-4A1A8D8504E5}" dt="2021-09-07T08:11:40.203" v="1"/>
+          <ac:picMkLst>
+            <pc:docMk/>
+            <pc:sldMk cId="2699386965" sldId="258"/>
+            <ac:picMk id="3" creationId="{655AAEC9-006B-4EC3-A768-CE5A9A409BB2}"/>
+          </ac:picMkLst>
+        </pc:picChg>
+        <pc:picChg chg="add del mod">
+          <ac:chgData name="Erika Opre" userId="b3dc1537-398f-4730-8a97-e88c2193b118" providerId="ADAL" clId="{EC64960A-8D0F-4F17-8D19-4A1A8D8504E5}" dt="2021-09-07T08:47:30.283" v="79" actId="478"/>
+          <ac:picMkLst>
+            <pc:docMk/>
+            <pc:sldMk cId="2699386965" sldId="258"/>
+            <ac:picMk id="4" creationId="{ABE1FB29-728C-4CC2-A8BF-59950823161E}"/>
+          </ac:picMkLst>
+        </pc:picChg>
+        <pc:picChg chg="mod">
+          <ac:chgData name="Erika Opre" userId="b3dc1537-398f-4730-8a97-e88c2193b118" providerId="ADAL" clId="{EC64960A-8D0F-4F17-8D19-4A1A8D8504E5}" dt="2021-09-07T09:24:18.532" v="408" actId="1076"/>
+          <ac:picMkLst>
+            <pc:docMk/>
+            <pc:sldMk cId="2699386965" sldId="258"/>
+            <ac:picMk id="6" creationId="{DC5E990C-7485-42E2-BD2F-2B0249A5DDE9}"/>
+          </ac:picMkLst>
+        </pc:picChg>
+        <pc:picChg chg="add mod">
+          <ac:chgData name="Erika Opre" userId="b3dc1537-398f-4730-8a97-e88c2193b118" providerId="ADAL" clId="{EC64960A-8D0F-4F17-8D19-4A1A8D8504E5}" dt="2021-09-07T09:24:17.555" v="407" actId="1076"/>
+          <ac:picMkLst>
+            <pc:docMk/>
+            <pc:sldMk cId="2699386965" sldId="258"/>
+            <ac:picMk id="7" creationId="{02DEDCC0-E512-4656-A303-5CAC0EC3B374}"/>
+          </ac:picMkLst>
+        </pc:picChg>
+        <pc:picChg chg="add del mod">
+          <ac:chgData name="Erika Opre" userId="b3dc1537-398f-4730-8a97-e88c2193b118" providerId="ADAL" clId="{EC64960A-8D0F-4F17-8D19-4A1A8D8504E5}" dt="2021-09-07T08:47:33.609" v="80" actId="478"/>
+          <ac:picMkLst>
+            <pc:docMk/>
+            <pc:sldMk cId="2699386965" sldId="258"/>
+            <ac:picMk id="9" creationId="{C884E5A7-DE28-4D35-A792-4CEAEC207A1D}"/>
+          </ac:picMkLst>
+        </pc:picChg>
+      </pc:sldChg>
+      <pc:sldChg chg="modSp mod setBg">
+        <pc:chgData name="Erika Opre" userId="b3dc1537-398f-4730-8a97-e88c2193b118" providerId="ADAL" clId="{EC64960A-8D0F-4F17-8D19-4A1A8D8504E5}" dt="2021-09-07T08:53:29.184" v="121" actId="790"/>
+        <pc:sldMkLst>
+          <pc:docMk/>
+          <pc:sldMk cId="1474479415" sldId="259"/>
+        </pc:sldMkLst>
+        <pc:spChg chg="mod">
+          <ac:chgData name="Erika Opre" userId="b3dc1537-398f-4730-8a97-e88c2193b118" providerId="ADAL" clId="{EC64960A-8D0F-4F17-8D19-4A1A8D8504E5}" dt="2021-09-07T08:53:29.184" v="121" actId="790"/>
+          <ac:spMkLst>
+            <pc:docMk/>
+            <pc:sldMk cId="1474479415" sldId="259"/>
+            <ac:spMk id="2" creationId="{00000000-0000-0000-0000-000000000000}"/>
+          </ac:spMkLst>
+        </pc:spChg>
+      </pc:sldChg>
+      <pc:sldChg chg="addSp delSp modSp mod setBg">
+        <pc:chgData name="Erika Opre" userId="b3dc1537-398f-4730-8a97-e88c2193b118" providerId="ADAL" clId="{EC64960A-8D0F-4F17-8D19-4A1A8D8504E5}" dt="2021-09-07T09:26:15.398" v="426" actId="20577"/>
+        <pc:sldMkLst>
+          <pc:docMk/>
+          <pc:sldMk cId="4001235280" sldId="260"/>
+        </pc:sldMkLst>
+        <pc:spChg chg="mod">
+          <ac:chgData name="Erika Opre" userId="b3dc1537-398f-4730-8a97-e88c2193b118" providerId="ADAL" clId="{EC64960A-8D0F-4F17-8D19-4A1A8D8504E5}" dt="2021-09-07T08:53:36.461" v="122" actId="207"/>
+          <ac:spMkLst>
+            <pc:docMk/>
+            <pc:sldMk cId="4001235280" sldId="260"/>
+            <ac:spMk id="2" creationId="{00000000-0000-0000-0000-000000000000}"/>
+          </ac:spMkLst>
+        </pc:spChg>
+        <pc:spChg chg="mod">
+          <ac:chgData name="Erika Opre" userId="b3dc1537-398f-4730-8a97-e88c2193b118" providerId="ADAL" clId="{EC64960A-8D0F-4F17-8D19-4A1A8D8504E5}" dt="2021-09-07T09:26:15.398" v="426" actId="20577"/>
+          <ac:spMkLst>
+            <pc:docMk/>
+            <pc:sldMk cId="4001235280" sldId="260"/>
+            <ac:spMk id="5" creationId="{46890CF8-BD68-49D6-BBA5-88EF2860F045}"/>
+          </ac:spMkLst>
+        </pc:spChg>
+        <pc:picChg chg="add del mod">
+          <ac:chgData name="Erika Opre" userId="b3dc1537-398f-4730-8a97-e88c2193b118" providerId="ADAL" clId="{EC64960A-8D0F-4F17-8D19-4A1A8D8504E5}" dt="2021-09-07T08:12:34.089" v="16" actId="478"/>
+          <ac:picMkLst>
+            <pc:docMk/>
+            <pc:sldMk cId="4001235280" sldId="260"/>
+            <ac:picMk id="3" creationId="{6F117CCD-EC7B-46AA-AFF3-675503E164F7}"/>
+          </ac:picMkLst>
+        </pc:picChg>
+        <pc:picChg chg="mod">
+          <ac:chgData name="Erika Opre" userId="b3dc1537-398f-4730-8a97-e88c2193b118" providerId="ADAL" clId="{EC64960A-8D0F-4F17-8D19-4A1A8D8504E5}" dt="2021-09-07T08:53:39.901" v="123" actId="1076"/>
+          <ac:picMkLst>
+            <pc:docMk/>
+            <pc:sldMk cId="4001235280" sldId="260"/>
+            <ac:picMk id="6" creationId="{16D40ADD-661E-4679-8DFB-F81D68E8B8BC}"/>
+          </ac:picMkLst>
+        </pc:picChg>
+        <pc:picChg chg="del mod">
+          <ac:chgData name="Erika Opre" userId="b3dc1537-398f-4730-8a97-e88c2193b118" providerId="ADAL" clId="{EC64960A-8D0F-4F17-8D19-4A1A8D8504E5}" dt="2021-09-07T08:12:03.641" v="7" actId="21"/>
+          <ac:picMkLst>
+            <pc:docMk/>
+            <pc:sldMk cId="4001235280" sldId="260"/>
+            <ac:picMk id="7" creationId="{286EFD3F-AAE1-4913-BB3F-CADDA4D31E20}"/>
+          </ac:picMkLst>
+        </pc:picChg>
+      </pc:sldChg>
+      <pc:sldChg chg="modSp new del mod">
+        <pc:chgData name="Erika Opre" userId="b3dc1537-398f-4730-8a97-e88c2193b118" providerId="ADAL" clId="{EC64960A-8D0F-4F17-8D19-4A1A8D8504E5}" dt="2021-09-07T09:37:20.465" v="551" actId="2696"/>
+        <pc:sldMkLst>
+          <pc:docMk/>
+          <pc:sldMk cId="499660725" sldId="261"/>
+        </pc:sldMkLst>
+        <pc:spChg chg="mod">
+          <ac:chgData name="Erika Opre" userId="b3dc1537-398f-4730-8a97-e88c2193b118" providerId="ADAL" clId="{EC64960A-8D0F-4F17-8D19-4A1A8D8504E5}" dt="2021-09-07T09:36:07.783" v="522" actId="5793"/>
+          <ac:spMkLst>
+            <pc:docMk/>
+            <pc:sldMk cId="499660725" sldId="261"/>
+            <ac:spMk id="3" creationId="{4B347FD9-C9BA-4713-90CF-1FD51D68A8DC}"/>
+          </ac:spMkLst>
+        </pc:spChg>
+      </pc:sldChg>
+    </pc:docChg>
+  </pc:docChgLst>
+</pc:chgInfo>
 </file>
 
 <file path=ppt/slideLayouts/slideLayout1.xml><?xml version="1.0" encoding="utf-8"?>
@@ -257,7 +543,7 @@
           <a:p>
             <a:fld id="{846CE7D5-CF57-46EF-B807-FDD0502418D4}" type="datetimeFigureOut">
               <a:rPr lang="en-US" smtClean="0"/>
-              <a:t>8/16/2021</a:t>
+              <a:t>9/7/2021</a:t>
             </a:fld>
             <a:endParaRPr lang="en-US"/>
           </a:p>
@@ -427,7 +713,7 @@
           <a:p>
             <a:fld id="{846CE7D5-CF57-46EF-B807-FDD0502418D4}" type="datetimeFigureOut">
               <a:rPr lang="en-US" smtClean="0"/>
-              <a:t>8/16/2021</a:t>
+              <a:t>9/7/2021</a:t>
             </a:fld>
             <a:endParaRPr lang="en-US"/>
           </a:p>
@@ -607,7 +893,7 @@
           <a:p>
             <a:fld id="{846CE7D5-CF57-46EF-B807-FDD0502418D4}" type="datetimeFigureOut">
               <a:rPr lang="en-US" smtClean="0"/>
-              <a:t>8/16/2021</a:t>
+              <a:t>9/7/2021</a:t>
             </a:fld>
             <a:endParaRPr lang="en-US"/>
           </a:p>
@@ -777,7 +1063,7 @@
           <a:p>
             <a:fld id="{846CE7D5-CF57-46EF-B807-FDD0502418D4}" type="datetimeFigureOut">
               <a:rPr lang="en-US" smtClean="0"/>
-              <a:t>8/16/2021</a:t>
+              <a:t>9/7/2021</a:t>
             </a:fld>
             <a:endParaRPr lang="en-US"/>
           </a:p>
@@ -1023,7 +1309,7 @@
           <a:p>
             <a:fld id="{846CE7D5-CF57-46EF-B807-FDD0502418D4}" type="datetimeFigureOut">
               <a:rPr lang="en-US" smtClean="0"/>
-              <a:t>8/16/2021</a:t>
+              <a:t>9/7/2021</a:t>
             </a:fld>
             <a:endParaRPr lang="en-US"/>
           </a:p>
@@ -1255,7 +1541,7 @@
           <a:p>
             <a:fld id="{846CE7D5-CF57-46EF-B807-FDD0502418D4}" type="datetimeFigureOut">
               <a:rPr lang="en-US" smtClean="0"/>
-              <a:t>8/16/2021</a:t>
+              <a:t>9/7/2021</a:t>
             </a:fld>
             <a:endParaRPr lang="en-US"/>
           </a:p>
@@ -1622,7 +1908,7 @@
           <a:p>
             <a:fld id="{846CE7D5-CF57-46EF-B807-FDD0502418D4}" type="datetimeFigureOut">
               <a:rPr lang="en-US" smtClean="0"/>
-              <a:t>8/16/2021</a:t>
+              <a:t>9/7/2021</a:t>
             </a:fld>
             <a:endParaRPr lang="en-US"/>
           </a:p>
@@ -1740,7 +2026,7 @@
           <a:p>
             <a:fld id="{846CE7D5-CF57-46EF-B807-FDD0502418D4}" type="datetimeFigureOut">
               <a:rPr lang="en-US" smtClean="0"/>
-              <a:t>8/16/2021</a:t>
+              <a:t>9/7/2021</a:t>
             </a:fld>
             <a:endParaRPr lang="en-US"/>
           </a:p>
@@ -1835,7 +2121,7 @@
           <a:p>
             <a:fld id="{846CE7D5-CF57-46EF-B807-FDD0502418D4}" type="datetimeFigureOut">
               <a:rPr lang="en-US" smtClean="0"/>
-              <a:t>8/16/2021</a:t>
+              <a:t>9/7/2021</a:t>
             </a:fld>
             <a:endParaRPr lang="en-US"/>
           </a:p>
@@ -2112,7 +2398,7 @@
           <a:p>
             <a:fld id="{846CE7D5-CF57-46EF-B807-FDD0502418D4}" type="datetimeFigureOut">
               <a:rPr lang="en-US" smtClean="0"/>
-              <a:t>8/16/2021</a:t>
+              <a:t>9/7/2021</a:t>
             </a:fld>
             <a:endParaRPr lang="en-US"/>
           </a:p>
@@ -2369,7 +2655,7 @@
           <a:p>
             <a:fld id="{846CE7D5-CF57-46EF-B807-FDD0502418D4}" type="datetimeFigureOut">
               <a:rPr lang="en-US" smtClean="0"/>
-              <a:t>8/16/2021</a:t>
+              <a:t>9/7/2021</a:t>
             </a:fld>
             <a:endParaRPr lang="en-US"/>
           </a:p>
@@ -2582,7 +2868,7 @@
           <a:p>
             <a:fld id="{846CE7D5-CF57-46EF-B807-FDD0502418D4}" type="datetimeFigureOut">
               <a:rPr lang="en-US" smtClean="0"/>
-              <a:t>8/16/2021</a:t>
+              <a:t>9/7/2021</a:t>
             </a:fld>
             <a:endParaRPr lang="en-US"/>
           </a:p>
@@ -2973,6 +3259,17 @@
 <file path=ppt/slides/slide1.xml><?xml version="1.0" encoding="utf-8"?>
 <p:sld xmlns:a="http://schemas.openxmlformats.org/drawingml/2006/main" xmlns:r="http://schemas.openxmlformats.org/officeDocument/2006/relationships" xmlns:p="http://schemas.openxmlformats.org/presentationml/2006/main">
   <p:cSld>
+    <p:bg>
+      <p:bgPr>
+        <a:solidFill>
+          <a:schemeClr val="accent6">
+            <a:lumMod val="20000"/>
+            <a:lumOff val="80000"/>
+          </a:schemeClr>
+        </a:solidFill>
+        <a:effectLst/>
+      </p:bgPr>
+    </p:bg>
     <p:spTree>
       <p:nvGrpSpPr>
         <p:cNvPr id="1" name=""/>
@@ -2994,169 +3291,78 @@
             <a:spLocks noGrp="1"/>
           </p:cNvSpPr>
           <p:nvPr>
-            <p:ph type="title"/>
-          </p:nvPr>
-        </p:nvSpPr>
-        <p:spPr>
-          <a:xfrm>
-            <a:off x="542107" y="608964"/>
-            <a:ext cx="10900956" cy="2526121"/>
-          </a:xfrm>
-        </p:spPr>
+            <p:ph type="ctrTitle"/>
+          </p:nvPr>
+        </p:nvSpPr>
+        <p:spPr/>
         <p:txBody>
           <a:bodyPr>
             <a:normAutofit/>
           </a:bodyPr>
           <a:lstStyle/>
           <a:p>
-            <a:pPr algn="ctr"/>
-            <a:r>
-              <a:rPr lang="en-US" sz="3600" b="1" i="1" dirty="0" err="1">
-                <a:latin typeface="+mn-lt"/>
+            <a:r>
+              <a:rPr lang="hu-HU" sz="3600" b="1" dirty="0">
                 <a:ea typeface="+mj-lt"/>
                 <a:cs typeface="+mj-lt"/>
               </a:rPr>
-              <a:t>Vizsgaremek</a:t>
-            </a:r>
-            <a:r>
-              <a:rPr lang="en-US" sz="3600" b="1" i="1" dirty="0">
-                <a:latin typeface="+mn-lt"/>
-                <a:ea typeface="+mj-lt"/>
-                <a:cs typeface="+mj-lt"/>
-              </a:rPr>
-              <a:t> </a:t>
-            </a:r>
-            <a:r>
-              <a:rPr lang="en-US" sz="3600" b="1" i="1" dirty="0" err="1">
-                <a:latin typeface="+mn-lt"/>
-                <a:ea typeface="+mj-lt"/>
-                <a:cs typeface="+mj-lt"/>
-              </a:rPr>
-              <a:t>prezentáció</a:t>
-            </a:r>
-            <a:r>
-              <a:rPr lang="en-US" sz="3600" b="1" i="1" dirty="0">
-                <a:latin typeface="+mn-lt"/>
-                <a:ea typeface="+mj-lt"/>
-                <a:cs typeface="+mj-lt"/>
-              </a:rPr>
-              <a:t/>
+              <a:t>Vizsgaremek prezentáció</a:t>
             </a:r>
             <a:br>
-              <a:rPr lang="en-US" sz="3600" b="1" i="1" dirty="0">
-                <a:latin typeface="+mn-lt"/>
+              <a:rPr lang="hu-HU" sz="3600" b="1" dirty="0">
                 <a:ea typeface="+mj-lt"/>
                 <a:cs typeface="+mj-lt"/>
               </a:rPr>
             </a:br>
             <a:r>
-              <a:rPr lang="en-US" sz="3600" b="1" i="1" dirty="0">
-                <a:latin typeface="+mn-lt"/>
+              <a:rPr lang="hu-HU" sz="3600" b="1" dirty="0">
                 <a:ea typeface="+mj-lt"/>
                 <a:cs typeface="+mj-lt"/>
               </a:rPr>
-              <a:t>Junior </a:t>
-            </a:r>
-            <a:r>
-              <a:rPr lang="en-US" sz="3600" b="1" i="1" dirty="0" err="1">
-                <a:latin typeface="+mn-lt"/>
-                <a:ea typeface="+mj-lt"/>
-                <a:cs typeface="+mj-lt"/>
-              </a:rPr>
-              <a:t>automatizált</a:t>
-            </a:r>
-            <a:r>
-              <a:rPr lang="en-US" sz="3600" b="1" i="1" dirty="0">
-                <a:latin typeface="+mn-lt"/>
-                <a:ea typeface="+mj-lt"/>
-                <a:cs typeface="+mj-lt"/>
-              </a:rPr>
-              <a:t> </a:t>
-            </a:r>
-            <a:r>
-              <a:rPr lang="en-US" sz="3600" b="1" i="1" dirty="0" err="1">
-                <a:latin typeface="+mn-lt"/>
-                <a:ea typeface="+mj-lt"/>
-                <a:cs typeface="+mj-lt"/>
-              </a:rPr>
-              <a:t>tesztelő</a:t>
-            </a:r>
-            <a:r>
-              <a:rPr lang="en-US" sz="3600" b="1" i="1" dirty="0">
-                <a:latin typeface="+mn-lt"/>
-                <a:ea typeface="+mj-lt"/>
-                <a:cs typeface="+mj-lt"/>
-              </a:rPr>
-              <a:t> </a:t>
-            </a:r>
-            <a:r>
-              <a:rPr lang="en-US" sz="3600" b="1" i="1" dirty="0" err="1">
-                <a:latin typeface="+mn-lt"/>
-                <a:ea typeface="+mj-lt"/>
-                <a:cs typeface="+mj-lt"/>
-              </a:rPr>
-              <a:t>szakirány</a:t>
-            </a:r>
-            <a:r>
-              <a:rPr lang="en-US" sz="3600" b="1" i="1" dirty="0">
-                <a:latin typeface="+mn-lt"/>
-                <a:ea typeface="+mj-lt"/>
-                <a:cs typeface="+mj-lt"/>
-              </a:rPr>
-              <a:t/>
+              <a:t>Junior automatizált tesztelő szakirány</a:t>
             </a:r>
             <a:br>
-              <a:rPr lang="en-US" sz="3600" b="1" i="1" dirty="0">
-                <a:latin typeface="+mn-lt"/>
+              <a:rPr lang="hu-HU" sz="3600" b="1" dirty="0">
                 <a:ea typeface="+mj-lt"/>
                 <a:cs typeface="+mj-lt"/>
               </a:rPr>
             </a:br>
-            <a:r>
-              <a:rPr lang="en-US" sz="3600" b="1" i="1" dirty="0" err="1">
-                <a:latin typeface="+mn-lt"/>
+            <a:br>
+              <a:rPr lang="en-US" sz="3600" b="1" dirty="0">
                 <a:ea typeface="+mj-lt"/>
                 <a:cs typeface="+mj-lt"/>
               </a:rPr>
-              <a:t>Tesztelt</a:t>
-            </a:r>
-            <a:r>
-              <a:rPr lang="en-US" sz="3600" b="1" i="1" dirty="0">
-                <a:latin typeface="+mn-lt"/>
+            </a:br>
+            <a:r>
+              <a:rPr lang="hu-HU" sz="3600" b="1" dirty="0">
+                <a:solidFill>
+                  <a:srgbClr val="00B050"/>
+                </a:solidFill>
                 <a:ea typeface="+mj-lt"/>
                 <a:cs typeface="+mj-lt"/>
               </a:rPr>
-              <a:t> </a:t>
-            </a:r>
-            <a:r>
-              <a:rPr lang="en-US" sz="3600" b="1" i="1" dirty="0" err="1">
-                <a:latin typeface="+mn-lt"/>
-                <a:ea typeface="+mj-lt"/>
-                <a:cs typeface="+mj-lt"/>
-              </a:rPr>
-              <a:t>alkalmazás</a:t>
-            </a:r>
-            <a:r>
-              <a:rPr lang="en-US" sz="3600" b="1" i="1" dirty="0">
-                <a:latin typeface="+mn-lt"/>
+              <a:t>Tesztelt alkalmazás</a:t>
+            </a:r>
+            <a:r>
+              <a:rPr lang="en-US" sz="3600" b="1" dirty="0">
+                <a:solidFill>
+                  <a:srgbClr val="00B050"/>
+                </a:solidFill>
                 <a:ea typeface="+mj-lt"/>
                 <a:cs typeface="+mj-lt"/>
               </a:rPr>
               <a:t>: Conduit </a:t>
             </a:r>
             <a:r>
-              <a:rPr lang="en-US" sz="3600" b="1" i="1" dirty="0" err="1">
-                <a:latin typeface="+mn-lt"/>
+              <a:rPr lang="hu-HU" sz="3600" b="1" dirty="0">
+                <a:solidFill>
+                  <a:srgbClr val="00B050"/>
+                </a:solidFill>
                 <a:ea typeface="+mj-lt"/>
                 <a:cs typeface="+mj-lt"/>
               </a:rPr>
               <a:t>applikáció</a:t>
             </a:r>
-            <a:endParaRPr lang="en-US" sz="3600" b="1" i="1" dirty="0">
-              <a:latin typeface="+mn-lt"/>
-              <a:ea typeface="+mj-lt"/>
-              <a:cs typeface="+mj-lt"/>
-            </a:endParaRPr>
           </a:p>
         </p:txBody>
       </p:sp>
@@ -3167,80 +3373,74 @@
             <a:spLocks noGrp="1"/>
           </p:cNvSpPr>
           <p:nvPr>
-            <p:ph sz="half" idx="1"/>
+            <p:ph type="subTitle" idx="1"/>
           </p:nvPr>
         </p:nvSpPr>
         <p:spPr>
           <a:xfrm>
-            <a:off x="200298" y="4702629"/>
-            <a:ext cx="5434148" cy="1474333"/>
+            <a:off x="198590" y="4680190"/>
+            <a:ext cx="5008454" cy="1883449"/>
           </a:xfrm>
         </p:spPr>
         <p:txBody>
           <a:bodyPr vert="horz" lIns="91440" tIns="45720" rIns="91440" bIns="45720" rtlCol="0" anchor="t">
-            <a:normAutofit lnSpcReduction="10000"/>
+            <a:normAutofit/>
           </a:bodyPr>
           <a:lstStyle/>
           <a:p>
-            <a:pPr marL="0" indent="0">
-              <a:buNone/>
-            </a:pPr>
-            <a:r>
-              <a:rPr lang="en-US" dirty="0" err="1">
+            <a:r>
+              <a:rPr lang="en-US">
                 <a:cs typeface="Calibri"/>
               </a:rPr>
-              <a:t>Készítette</a:t>
-            </a:r>
-            <a:r>
-              <a:rPr lang="en-US" dirty="0">
-                <a:cs typeface="Calibri"/>
-              </a:rPr>
-              <a:t>: Opre Erika</a:t>
-            </a:r>
-          </a:p>
-          <a:p>
-            <a:pPr marL="0" indent="0">
-              <a:buNone/>
-            </a:pPr>
-            <a:r>
-              <a:rPr lang="en-US" dirty="0">
+              <a:t>Készítette: Opre Erika</a:t>
+            </a:r>
+          </a:p>
+          <a:p>
+            <a:r>
+              <a:rPr lang="en-US">
                 <a:cs typeface="Calibri"/>
               </a:rPr>
               <a:t>Email: eri_opre@yahoo.co.uk</a:t>
             </a:r>
           </a:p>
           <a:p>
-            <a:pPr marL="0" indent="0">
-              <a:buNone/>
-            </a:pPr>
-            <a:r>
-              <a:rPr lang="en-US" dirty="0">
+            <a:r>
+              <a:rPr lang="en-US">
                 <a:cs typeface="Calibri"/>
               </a:rPr>
               <a:t>2021.08.16.</a:t>
             </a:r>
-          </a:p>
-        </p:txBody>
-      </p:sp>
-      <p:sp>
-        <p:nvSpPr>
-          <p:cNvPr id="4" name="Tartalom helye 3"/>
-          <p:cNvSpPr>
-            <a:spLocks noGrp="1"/>
-          </p:cNvSpPr>
-          <p:nvPr>
-            <p:ph sz="half" idx="2"/>
-          </p:nvPr>
+            <a:endParaRPr lang="en-US" dirty="0">
+              <a:cs typeface="Calibri"/>
+            </a:endParaRPr>
+          </a:p>
+        </p:txBody>
+      </p:sp>
+      <p:sp>
+        <p:nvSpPr>
+          <p:cNvPr id="26" name="TextBox 25">
+            <a:extLst>
+              <a:ext uri="{FF2B5EF4-FFF2-40B4-BE49-F238E27FC236}">
+                <a16:creationId xmlns:a16="http://schemas.microsoft.com/office/drawing/2014/main" id="{5972D769-9E9C-4A7A-A830-76965A43CC08}"/>
+              </a:ext>
+            </a:extLst>
+          </p:cNvPr>
+          <p:cNvSpPr txBox="1"/>
+          <p:nvPr/>
         </p:nvSpPr>
         <p:spPr>
           <a:xfrm>
-            <a:off x="5259977" y="3135085"/>
-            <a:ext cx="6592389" cy="2380026"/>
+            <a:off x="6708446" y="4167989"/>
+            <a:ext cx="4708733" cy="1815882"/>
           </a:xfrm>
+          <a:prstGeom prst="rect">
+            <a:avLst/>
+          </a:prstGeom>
+          <a:noFill/>
         </p:spPr>
         <p:txBody>
-          <a:bodyPr>
-            <a:normAutofit lnSpcReduction="10000"/>
+          <a:bodyPr wrap="square">
+            <a:spAutoFit/>
           </a:bodyPr>
           <a:lstStyle/>
           <a:p>
@@ -3248,63 +3448,39 @@
               <a:buNone/>
             </a:pPr>
             <a:r>
-              <a:rPr lang="hu-HU" dirty="0" smtClean="0"/>
+              <a:rPr lang="hu-HU" sz="2800" dirty="0"/>
               <a:t>Tartalom:</a:t>
             </a:r>
           </a:p>
           <a:p>
-            <a:pPr lvl="2"/>
-            <a:r>
-              <a:rPr lang="hu-HU" sz="2800" dirty="0" smtClean="0"/>
-              <a:t>Conduit alkalmazás bemutatása</a:t>
-            </a:r>
-          </a:p>
-          <a:p>
-            <a:pPr lvl="4"/>
-            <a:r>
-              <a:rPr lang="hu-HU" sz="2600" dirty="0" smtClean="0"/>
-              <a:t>Fő funkciók</a:t>
-            </a:r>
-          </a:p>
-          <a:p>
-            <a:pPr lvl="2"/>
-            <a:r>
-              <a:rPr lang="hu-HU" sz="2800" dirty="0" err="1" smtClean="0"/>
-              <a:t>Github</a:t>
-            </a:r>
-            <a:r>
-              <a:rPr lang="hu-HU" sz="2800" dirty="0" smtClean="0"/>
-              <a:t> </a:t>
-            </a:r>
-            <a:r>
-              <a:rPr lang="hu-HU" sz="2800" dirty="0" err="1" smtClean="0"/>
-              <a:t>workflow</a:t>
-            </a:r>
-            <a:endParaRPr lang="hu-HU" sz="2800" dirty="0" smtClean="0"/>
-          </a:p>
-          <a:p>
-            <a:pPr lvl="2"/>
-            <a:r>
-              <a:rPr lang="hu-HU" sz="2800" dirty="0" smtClean="0"/>
-              <a:t>Tesztjelentés (</a:t>
-            </a:r>
-            <a:r>
-              <a:rPr lang="hu-HU" sz="2800" dirty="0" err="1" smtClean="0"/>
-              <a:t>Allure</a:t>
-            </a:r>
-            <a:r>
-              <a:rPr lang="hu-HU" sz="2800" dirty="0" smtClean="0"/>
-              <a:t> </a:t>
-            </a:r>
-            <a:r>
-              <a:rPr lang="hu-HU" sz="2800" dirty="0" err="1" smtClean="0"/>
-              <a:t>report</a:t>
-            </a:r>
-            <a:r>
-              <a:rPr lang="hu-HU" sz="2800" dirty="0" smtClean="0"/>
-              <a:t>)</a:t>
-            </a:r>
-            <a:endParaRPr lang="hu-HU" sz="2800" dirty="0"/>
+            <a:pPr marL="285750" indent="-285750">
+              <a:buFont typeface="Arial" panose="020B0604020202020204" pitchFamily="34" charset="0"/>
+              <a:buChar char="•"/>
+            </a:pPr>
+            <a:r>
+              <a:rPr lang="hu-HU" sz="2800" dirty="0"/>
+              <a:t>Alkalmazás bemutatása</a:t>
+            </a:r>
+          </a:p>
+          <a:p>
+            <a:pPr marL="285750" indent="-285750">
+              <a:buFont typeface="Arial" panose="020B0604020202020204" pitchFamily="34" charset="0"/>
+              <a:buChar char="•"/>
+            </a:pPr>
+            <a:r>
+              <a:rPr lang="hu-HU" sz="2800" dirty="0"/>
+              <a:t>Tesztelés</a:t>
+            </a:r>
+          </a:p>
+          <a:p>
+            <a:pPr marL="285750" indent="-285750">
+              <a:buFont typeface="Arial" panose="020B0604020202020204" pitchFamily="34" charset="0"/>
+              <a:buChar char="•"/>
+            </a:pPr>
+            <a:r>
+              <a:rPr lang="hu-HU" sz="2800" dirty="0"/>
+              <a:t>Tesztjelentés</a:t>
+            </a:r>
           </a:p>
         </p:txBody>
       </p:sp>
@@ -3324,6 +3500,17 @@
 <file path=ppt/slides/slide2.xml><?xml version="1.0" encoding="utf-8"?>
 <p:sld xmlns:a="http://schemas.openxmlformats.org/drawingml/2006/main" xmlns:r="http://schemas.openxmlformats.org/officeDocument/2006/relationships" xmlns:p="http://schemas.openxmlformats.org/presentationml/2006/main">
   <p:cSld>
+    <p:bg>
+      <p:bgPr>
+        <a:solidFill>
+          <a:schemeClr val="accent6">
+            <a:lumMod val="20000"/>
+            <a:lumOff val="80000"/>
+          </a:schemeClr>
+        </a:solidFill>
+        <a:effectLst/>
+      </p:bgPr>
+    </p:bg>
     <p:spTree>
       <p:nvGrpSpPr>
         <p:cNvPr id="1" name=""/>
@@ -3361,7 +3548,10 @@
           <a:lstStyle/>
           <a:p>
             <a:r>
-              <a:rPr lang="en-US" sz="2800" dirty="0">
+              <a:rPr lang="en-US" sz="4800" b="1" dirty="0">
+                <a:solidFill>
+                  <a:srgbClr val="00B050"/>
+                </a:solidFill>
                 <a:ea typeface="+mj-lt"/>
                 <a:cs typeface="+mj-lt"/>
               </a:rPr>
@@ -3386,19 +3576,292 @@
             <p:ph type="subTitle" idx="1"/>
           </p:nvPr>
         </p:nvSpPr>
-        <p:spPr/>
+        <p:spPr>
+          <a:xfrm>
+            <a:off x="6096000" y="2684833"/>
+            <a:ext cx="6056446" cy="3428327"/>
+          </a:xfrm>
+        </p:spPr>
         <p:txBody>
           <a:bodyPr vert="horz" lIns="91440" tIns="45720" rIns="91440" bIns="45720" rtlCol="0" anchor="t">
-            <a:normAutofit/>
+            <a:normAutofit fontScale="92500" lnSpcReduction="20000"/>
           </a:bodyPr>
           <a:lstStyle/>
           <a:p>
-            <a:r>
-              <a:rPr lang="en-US" dirty="0">
-                <a:cs typeface="Calibri"/>
+            <a:pPr marL="285750" indent="-285750" algn="l">
+              <a:buFontTx/>
+              <a:buChar char="-"/>
+            </a:pPr>
+            <a:r>
+              <a:rPr lang="hu-HU" sz="2800" dirty="0">
+                <a:solidFill>
+                  <a:schemeClr val="tx1"/>
+                </a:solidFill>
               </a:rPr>
-              <a:t>A </a:t>
-            </a:r>
+              <a:t>TC001 – </a:t>
+            </a:r>
+            <a:r>
+              <a:rPr lang="en-US" sz="2800" dirty="0">
+                <a:solidFill>
+                  <a:schemeClr val="tx1"/>
+                </a:solidFill>
+              </a:rPr>
+              <a:t>Registration</a:t>
+            </a:r>
+            <a:r>
+              <a:rPr lang="hu-HU" sz="2800" dirty="0">
+                <a:solidFill>
+                  <a:schemeClr val="tx1"/>
+                </a:solidFill>
+              </a:rPr>
+              <a:t> </a:t>
+            </a:r>
+            <a:r>
+              <a:rPr lang="hu-HU" sz="1200" dirty="0">
+                <a:solidFill>
+                  <a:schemeClr val="tx1"/>
+                </a:solidFill>
+              </a:rPr>
+              <a:t>: Regisztráció, Új adat bevitel</a:t>
+            </a:r>
+          </a:p>
+          <a:p>
+            <a:pPr marL="285750" indent="-285750" algn="l">
+              <a:buFontTx/>
+              <a:buChar char="-"/>
+            </a:pPr>
+            <a:r>
+              <a:rPr lang="hu-HU" sz="2800" dirty="0">
+                <a:solidFill>
+                  <a:schemeClr val="tx1"/>
+                </a:solidFill>
+              </a:rPr>
+              <a:t>TC003 – </a:t>
+            </a:r>
+            <a:r>
+              <a:rPr lang="en-US" sz="2900" dirty="0"/>
+              <a:t>Cookie’s </a:t>
+            </a:r>
+            <a:r>
+              <a:rPr lang="hu-HU" sz="2900" dirty="0"/>
+              <a:t>: </a:t>
+            </a:r>
+            <a:r>
+              <a:rPr lang="hu-HU" sz="1500" dirty="0"/>
+              <a:t>Adatkezelési nyilatkozat</a:t>
+            </a:r>
+          </a:p>
+          <a:p>
+            <a:pPr marL="285750" indent="-285750" algn="l">
+              <a:buFontTx/>
+              <a:buChar char="-"/>
+            </a:pPr>
+            <a:r>
+              <a:rPr lang="hu-HU" sz="2800" dirty="0"/>
+              <a:t>TC004</a:t>
+            </a:r>
+            <a:r>
+              <a:rPr lang="hu-HU" sz="3000" dirty="0"/>
+              <a:t> – Data List</a:t>
+            </a:r>
+            <a:r>
+              <a:rPr lang="hu-HU" sz="1500" dirty="0"/>
+              <a:t>: Adatok listázása és kimentése file-</a:t>
+            </a:r>
+            <a:r>
+              <a:rPr lang="hu-HU" sz="1500" dirty="0" err="1"/>
+              <a:t>ba</a:t>
+            </a:r>
+            <a:endParaRPr lang="hu-HU" sz="1500" dirty="0"/>
+          </a:p>
+          <a:p>
+            <a:pPr marL="285750" indent="-285750" algn="l">
+              <a:buFontTx/>
+              <a:buChar char="-"/>
+            </a:pPr>
+            <a:r>
+              <a:rPr lang="hu-HU" sz="2800" dirty="0">
+                <a:solidFill>
+                  <a:schemeClr val="tx1"/>
+                </a:solidFill>
+              </a:rPr>
+              <a:t>TC005 – New post </a:t>
+            </a:r>
+            <a:r>
+              <a:rPr lang="hu-HU" sz="1200" dirty="0">
+                <a:solidFill>
+                  <a:schemeClr val="tx1"/>
+                </a:solidFill>
+              </a:rPr>
+              <a:t>: Ismételt és sorozatos adatbevitel adatforrásból</a:t>
+            </a:r>
+          </a:p>
+          <a:p>
+            <a:pPr marL="285750" indent="-285750" algn="l">
+              <a:buFontTx/>
+              <a:buChar char="-"/>
+            </a:pPr>
+            <a:r>
+              <a:rPr lang="hu-HU" sz="2800" dirty="0">
+                <a:solidFill>
+                  <a:schemeClr val="tx1"/>
+                </a:solidFill>
+              </a:rPr>
+              <a:t>TC006 – User </a:t>
+            </a:r>
+            <a:r>
+              <a:rPr lang="en-US" sz="2800" dirty="0">
+                <a:solidFill>
+                  <a:schemeClr val="tx1"/>
+                </a:solidFill>
+              </a:rPr>
+              <a:t>Settings</a:t>
+            </a:r>
+            <a:r>
+              <a:rPr lang="en-US" sz="1200" dirty="0">
+                <a:solidFill>
+                  <a:schemeClr val="tx1"/>
+                </a:solidFill>
+              </a:rPr>
+              <a:t> </a:t>
+            </a:r>
+            <a:r>
+              <a:rPr lang="hu-HU" sz="1200" dirty="0">
+                <a:solidFill>
+                  <a:schemeClr val="tx1"/>
+                </a:solidFill>
+              </a:rPr>
+              <a:t>: Meglévő adat módosítás</a:t>
+            </a:r>
+          </a:p>
+          <a:p>
+            <a:pPr marL="285750" indent="-285750" algn="l">
+              <a:buFontTx/>
+              <a:buChar char="-"/>
+            </a:pPr>
+            <a:r>
+              <a:rPr lang="hu-HU" sz="2800" dirty="0">
+                <a:solidFill>
+                  <a:schemeClr val="tx1"/>
+                </a:solidFill>
+              </a:rPr>
+              <a:t>TC007 – Post </a:t>
+            </a:r>
+            <a:r>
+              <a:rPr lang="en-US" sz="2800" dirty="0">
+                <a:solidFill>
+                  <a:schemeClr val="tx1"/>
+                </a:solidFill>
+              </a:rPr>
+              <a:t>delete</a:t>
+            </a:r>
+            <a:r>
+              <a:rPr lang="hu-HU" sz="2800" dirty="0">
+                <a:solidFill>
+                  <a:schemeClr val="tx1"/>
+                </a:solidFill>
+              </a:rPr>
+              <a:t> </a:t>
+            </a:r>
+            <a:r>
+              <a:rPr lang="hu-HU" sz="1200" dirty="0">
+                <a:solidFill>
+                  <a:schemeClr val="tx1"/>
+                </a:solidFill>
+              </a:rPr>
+              <a:t>: Adat vagy adatok törlése</a:t>
+            </a:r>
+          </a:p>
+          <a:p>
+            <a:pPr marL="285750" indent="-285750" algn="l">
+              <a:buFontTx/>
+              <a:buChar char="-"/>
+            </a:pPr>
+            <a:r>
+              <a:rPr lang="hu-HU" sz="2800" dirty="0">
+                <a:solidFill>
+                  <a:schemeClr val="tx1"/>
+                </a:solidFill>
+              </a:rPr>
+              <a:t>TC008 – </a:t>
+            </a:r>
+            <a:r>
+              <a:rPr lang="en-US" sz="2800" dirty="0">
+                <a:solidFill>
+                  <a:schemeClr val="tx1"/>
+                </a:solidFill>
+              </a:rPr>
+              <a:t>Pagination</a:t>
+            </a:r>
+            <a:r>
+              <a:rPr lang="hu-HU" sz="2800" dirty="0">
+                <a:solidFill>
+                  <a:schemeClr val="tx1"/>
+                </a:solidFill>
+              </a:rPr>
+              <a:t> </a:t>
+            </a:r>
+            <a:r>
+              <a:rPr lang="hu-HU" sz="1200" dirty="0">
+                <a:solidFill>
+                  <a:schemeClr val="tx1"/>
+                </a:solidFill>
+              </a:rPr>
+              <a:t>: Több oldal bejárása</a:t>
+            </a:r>
+          </a:p>
+          <a:p>
+            <a:pPr marL="285750" indent="-285750" algn="l">
+              <a:buFontTx/>
+              <a:buChar char="-"/>
+            </a:pPr>
+            <a:r>
+              <a:rPr lang="hu-HU" sz="2800" dirty="0"/>
+              <a:t>TC009 </a:t>
+            </a:r>
+            <a:r>
+              <a:rPr lang="hu-HU" sz="2600" dirty="0"/>
+              <a:t>-</a:t>
+            </a:r>
+            <a:r>
+              <a:rPr lang="hu-HU" sz="2800" dirty="0"/>
+              <a:t>  User </a:t>
+            </a:r>
+            <a:r>
+              <a:rPr lang="en-US" sz="2800" dirty="0"/>
+              <a:t>Sign</a:t>
+            </a:r>
+            <a:r>
+              <a:rPr lang="hu-HU" sz="2800" dirty="0"/>
+              <a:t> out </a:t>
+            </a:r>
+            <a:r>
+              <a:rPr lang="hu-HU" sz="1500" dirty="0">
+                <a:solidFill>
+                  <a:schemeClr val="tx1"/>
+                </a:solidFill>
+              </a:rPr>
+              <a:t>: Kijelentkezés</a:t>
+            </a:r>
+            <a:endParaRPr lang="hu-HU" sz="800" dirty="0">
+              <a:solidFill>
+                <a:schemeClr val="tx1"/>
+              </a:solidFill>
+            </a:endParaRPr>
+          </a:p>
+          <a:p>
+            <a:pPr marL="285750" indent="-285750" algn="l">
+              <a:buFontTx/>
+              <a:buChar char="-"/>
+            </a:pPr>
+            <a:endParaRPr lang="hu-HU" sz="1200" dirty="0">
+              <a:solidFill>
+                <a:schemeClr val="tx1"/>
+              </a:solidFill>
+            </a:endParaRPr>
+          </a:p>
+          <a:p>
+            <a:pPr algn="l"/>
             <a:endParaRPr lang="en-US" dirty="0"/>
           </a:p>
         </p:txBody>
@@ -3425,38 +3888,8 @@
         </p:blipFill>
         <p:spPr>
           <a:xfrm>
-            <a:off x="402921" y="2656924"/>
-            <a:ext cx="6814158" cy="4049359"/>
-          </a:xfrm>
-          <a:prstGeom prst="rect">
-            <a:avLst/>
-          </a:prstGeom>
-        </p:spPr>
-      </p:pic>
-      <p:pic>
-        <p:nvPicPr>
-          <p:cNvPr id="7" name="Picture 7" descr="Graphical user interface, text, application&#10;&#10;Description automatically generated">
-            <a:extLst>
-              <a:ext uri="{FF2B5EF4-FFF2-40B4-BE49-F238E27FC236}">
-                <a16:creationId xmlns:a16="http://schemas.microsoft.com/office/drawing/2014/main" id="{286EFD3F-AAE1-4913-BB3F-CADDA4D31E20}"/>
-              </a:ext>
-            </a:extLst>
-          </p:cNvPr>
-          <p:cNvPicPr>
-            <a:picLocks noChangeAspect="1"/>
-          </p:cNvPicPr>
-          <p:nvPr/>
-        </p:nvPicPr>
-        <p:blipFill>
-          <a:blip r:embed="rId3"/>
-          <a:stretch>
-            <a:fillRect/>
-          </a:stretch>
-        </p:blipFill>
-        <p:spPr>
-          <a:xfrm>
-            <a:off x="7776902" y="2593215"/>
-            <a:ext cx="2358415" cy="3707051"/>
+            <a:off x="97189" y="1761688"/>
+            <a:ext cx="6245158" cy="4703564"/>
           </a:xfrm>
           <a:prstGeom prst="rect">
             <a:avLst/>
@@ -3479,6 +3912,17 @@
 <file path=ppt/slides/slide3.xml><?xml version="1.0" encoding="utf-8"?>
 <p:sld xmlns:a="http://schemas.openxmlformats.org/drawingml/2006/main" xmlns:r="http://schemas.openxmlformats.org/officeDocument/2006/relationships" xmlns:p="http://schemas.openxmlformats.org/presentationml/2006/main">
   <p:cSld>
+    <p:bg>
+      <p:bgPr>
+        <a:solidFill>
+          <a:schemeClr val="accent6">
+            <a:lumMod val="20000"/>
+            <a:lumOff val="80000"/>
+          </a:schemeClr>
+        </a:solidFill>
+        <a:effectLst/>
+      </p:bgPr>
+    </p:bg>
     <p:spTree>
       <p:nvGrpSpPr>
         <p:cNvPr id="1" name=""/>
@@ -3505,8 +3949,8 @@
         </p:nvSpPr>
         <p:spPr>
           <a:xfrm>
-            <a:off x="1878904" y="443870"/>
-            <a:ext cx="8361124" cy="540011"/>
+            <a:off x="3636837" y="94971"/>
+            <a:ext cx="6890084" cy="898942"/>
           </a:xfrm>
         </p:spPr>
         <p:txBody>
@@ -3516,127 +3960,81 @@
           <a:lstStyle/>
           <a:p>
             <a:r>
-              <a:rPr lang="en-US" sz="2800" b="1" dirty="0">
+              <a:rPr lang="en-US" sz="4400" b="1" dirty="0">
+                <a:solidFill>
+                  <a:srgbClr val="00B050"/>
+                </a:solidFill>
                 <a:ea typeface="+mj-lt"/>
                 <a:cs typeface="+mj-lt"/>
               </a:rPr>
-              <a:t>Workflow </a:t>
-            </a:r>
-            <a:r>
-              <a:rPr lang="en-US" sz="2800" b="1" dirty="0" err="1">
+              <a:t>GitHub</a:t>
+            </a:r>
+            <a:r>
+              <a:rPr lang="hu-HU" sz="4400" b="1" dirty="0">
+                <a:solidFill>
+                  <a:srgbClr val="00B050"/>
+                </a:solidFill>
                 <a:ea typeface="+mj-lt"/>
                 <a:cs typeface="+mj-lt"/>
               </a:rPr>
-              <a:t>eredmény</a:t>
-            </a:r>
-            <a:endParaRPr lang="en-US" sz="2800" b="1" dirty="0">
-              <a:ea typeface="+mj-lt"/>
-              <a:cs typeface="+mj-lt"/>
-            </a:endParaRPr>
-          </a:p>
-        </p:txBody>
-      </p:sp>
-      <p:sp>
-        <p:nvSpPr>
-          <p:cNvPr id="3" name="Téglalap 2"/>
-          <p:cNvSpPr/>
-          <p:nvPr/>
-        </p:nvSpPr>
-        <p:spPr>
-          <a:xfrm>
-            <a:off x="416112" y="1563739"/>
-            <a:ext cx="3630033" cy="1754326"/>
-          </a:xfrm>
-          <a:prstGeom prst="rect">
-            <a:avLst/>
-          </a:prstGeom>
-        </p:spPr>
-        <p:txBody>
-          <a:bodyPr wrap="none">
-            <a:spAutoFit/>
-          </a:bodyPr>
-          <a:lstStyle/>
-          <a:p>
-            <a:r>
-              <a:rPr lang="hu-HU" b="1" dirty="0" err="1" smtClean="0">
+              <a:t> Action </a:t>
+            </a:r>
+            <a:r>
+              <a:rPr lang="en-US" sz="4400" b="1" dirty="0">
+                <a:solidFill>
+                  <a:srgbClr val="00B050"/>
+                </a:solidFill>
                 <a:ea typeface="+mj-lt"/>
                 <a:cs typeface="+mj-lt"/>
               </a:rPr>
-              <a:t>Github</a:t>
-            </a:r>
-            <a:r>
-              <a:rPr lang="hu-HU" b="1" dirty="0" smtClean="0">
-                <a:ea typeface="+mj-lt"/>
-                <a:cs typeface="+mj-lt"/>
-              </a:rPr>
-              <a:t> telepíti a futtató környezetet</a:t>
-            </a:r>
-          </a:p>
-          <a:p>
-            <a:r>
-              <a:rPr lang="hu-HU" b="1" dirty="0" err="1" smtClean="0">
-                <a:ea typeface="+mj-lt"/>
-                <a:cs typeface="+mj-lt"/>
-              </a:rPr>
-              <a:t>Docker</a:t>
-            </a:r>
-            <a:r>
-              <a:rPr lang="hu-HU" b="1" dirty="0" smtClean="0">
-                <a:ea typeface="+mj-lt"/>
-                <a:cs typeface="+mj-lt"/>
-              </a:rPr>
-              <a:t> konténer indítás</a:t>
-            </a:r>
-          </a:p>
-          <a:p>
-            <a:r>
-              <a:rPr lang="hu-HU" b="1" dirty="0" err="1" smtClean="0">
-                <a:ea typeface="+mj-lt"/>
-                <a:cs typeface="+mj-lt"/>
-              </a:rPr>
-              <a:t>Pytest</a:t>
-            </a:r>
-            <a:r>
-              <a:rPr lang="hu-HU" b="1" dirty="0" smtClean="0">
-                <a:ea typeface="+mj-lt"/>
-                <a:cs typeface="+mj-lt"/>
-              </a:rPr>
-              <a:t> futtatás</a:t>
-            </a:r>
-          </a:p>
-          <a:p>
-            <a:r>
-              <a:rPr lang="hu-HU" b="1" dirty="0" smtClean="0">
-                <a:ea typeface="+mj-lt"/>
-                <a:cs typeface="+mj-lt"/>
-              </a:rPr>
-              <a:t>Riport készítés</a:t>
-            </a:r>
-          </a:p>
-          <a:p>
-            <a:r>
-              <a:rPr lang="hu-HU" b="1" dirty="0" smtClean="0">
-                <a:ea typeface="+mj-lt"/>
-                <a:cs typeface="+mj-lt"/>
-              </a:rPr>
-              <a:t>Takarítás</a:t>
-            </a:r>
-          </a:p>
-          <a:p>
-            <a:r>
-              <a:rPr lang="hu-HU" b="1" dirty="0">
-                <a:ea typeface="+mj-lt"/>
-                <a:cs typeface="+mj-lt"/>
-              </a:rPr>
-              <a:t>	</a:t>
-            </a:r>
-            <a:endParaRPr lang="hu-HU" dirty="0"/>
+              <a:t>Workflow</a:t>
+            </a:r>
+          </a:p>
+        </p:txBody>
+      </p:sp>
+      <p:sp>
+        <p:nvSpPr>
+          <p:cNvPr id="10" name="Subtitle 9">
+            <a:extLst>
+              <a:ext uri="{FF2B5EF4-FFF2-40B4-BE49-F238E27FC236}">
+                <a16:creationId xmlns:a16="http://schemas.microsoft.com/office/drawing/2014/main" id="{187F0621-954B-47D3-AF6A-503A0844E58A}"/>
+              </a:ext>
+            </a:extLst>
+          </p:cNvPr>
+          <p:cNvSpPr>
+            <a:spLocks noGrp="1"/>
+          </p:cNvSpPr>
+          <p:nvPr>
+            <p:ph type="subTitle" idx="1"/>
+          </p:nvPr>
+        </p:nvSpPr>
+        <p:spPr>
+          <a:xfrm>
+            <a:off x="4485478" y="5073803"/>
+            <a:ext cx="5005136" cy="510353"/>
+          </a:xfrm>
+        </p:spPr>
+        <p:txBody>
+          <a:bodyPr/>
+          <a:lstStyle/>
+          <a:p>
+            <a:r>
+              <a:rPr lang="hu-HU" dirty="0" err="1"/>
+              <a:t>docker-compose.yaml</a:t>
+            </a:r>
+            <a:endParaRPr lang="en-US" dirty="0"/>
           </a:p>
         </p:txBody>
       </p:sp>
       <p:pic>
         <p:nvPicPr>
-          <p:cNvPr id="4" name="Kép 3"/>
+          <p:cNvPr id="6" name="Picture 6" descr="Text&#10;&#10;Description automatically generated">
+            <a:extLst>
+              <a:ext uri="{FF2B5EF4-FFF2-40B4-BE49-F238E27FC236}">
+                <a16:creationId xmlns:a16="http://schemas.microsoft.com/office/drawing/2014/main" id="{DC5E990C-7485-42E2-BD2F-2B0249A5DDE9}"/>
+              </a:ext>
+            </a:extLst>
+          </p:cNvPr>
           <p:cNvPicPr>
             <a:picLocks noChangeAspect="1"/>
           </p:cNvPicPr>
@@ -3650,8 +4048,8 @@
         </p:blipFill>
         <p:spPr>
           <a:xfrm>
-            <a:off x="8384397" y="52750"/>
-            <a:ext cx="3711262" cy="6805250"/>
+            <a:off x="4919342" y="1724039"/>
+            <a:ext cx="4862325" cy="2924911"/>
           </a:xfrm>
           <a:prstGeom prst="rect">
             <a:avLst/>
@@ -3660,7 +4058,13 @@
       </p:pic>
       <p:pic>
         <p:nvPicPr>
-          <p:cNvPr id="5" name="Kép 4"/>
+          <p:cNvPr id="7" name="Picture 6">
+            <a:extLst>
+              <a:ext uri="{FF2B5EF4-FFF2-40B4-BE49-F238E27FC236}">
+                <a16:creationId xmlns:a16="http://schemas.microsoft.com/office/drawing/2014/main" id="{02DEDCC0-E512-4656-A303-5CAC0EC3B374}"/>
+              </a:ext>
+            </a:extLst>
+          </p:cNvPr>
           <p:cNvPicPr>
             <a:picLocks noChangeAspect="1"/>
           </p:cNvPicPr>
@@ -3674,8 +4078,8 @@
         </p:blipFill>
         <p:spPr>
           <a:xfrm>
-            <a:off x="2145720" y="2866083"/>
-            <a:ext cx="6238677" cy="3991917"/>
+            <a:off x="574486" y="886361"/>
+            <a:ext cx="3526708" cy="5503705"/>
           </a:xfrm>
           <a:prstGeom prst="rect">
             <a:avLst/>
@@ -3698,6 +4102,17 @@
 <file path=ppt/slides/slide4.xml><?xml version="1.0" encoding="utf-8"?>
 <p:sld xmlns:a="http://schemas.openxmlformats.org/drawingml/2006/main" xmlns:r="http://schemas.openxmlformats.org/officeDocument/2006/relationships" xmlns:p="http://schemas.openxmlformats.org/presentationml/2006/main">
   <p:cSld>
+    <p:bg>
+      <p:bgPr>
+        <a:solidFill>
+          <a:schemeClr val="accent6">
+            <a:lumMod val="20000"/>
+            <a:lumOff val="80000"/>
+          </a:schemeClr>
+        </a:solidFill>
+        <a:effectLst/>
+      </p:bgPr>
+    </p:bg>
     <p:spTree>
       <p:nvGrpSpPr>
         <p:cNvPr id="1" name=""/>
@@ -3726,8 +4141,8 @@
         </p:nvSpPr>
         <p:spPr>
           <a:xfrm>
-            <a:off x="2994261" y="132665"/>
-            <a:ext cx="6488219" cy="954107"/>
+            <a:off x="3168433" y="123956"/>
+            <a:ext cx="6488219" cy="523220"/>
           </a:xfrm>
           <a:prstGeom prst="rect">
             <a:avLst/>
@@ -3744,60 +4159,47 @@
           <a:lstStyle/>
           <a:p>
             <a:r>
-              <a:rPr lang="en-US" sz="2800" b="1" dirty="0" err="1">
+              <a:rPr lang="hu-HU" sz="2800" b="1" dirty="0">
+                <a:solidFill>
+                  <a:srgbClr val="00B050"/>
+                </a:solidFill>
                 <a:latin typeface="Calibri Light"/>
                 <a:cs typeface="Calibri Light"/>
               </a:rPr>
-              <a:t>Teszt</a:t>
-            </a:r>
-            <a:r>
-              <a:rPr lang="en-US" sz="2800" b="1" dirty="0">
+              <a:t>Teszt jelentés : </a:t>
+            </a:r>
+            <a:r>
+              <a:rPr lang="hu-HU" sz="2800" b="1" dirty="0" err="1">
+                <a:solidFill>
+                  <a:srgbClr val="00B050"/>
+                </a:solidFill>
                 <a:latin typeface="Calibri Light"/>
                 <a:cs typeface="Calibri Light"/>
               </a:rPr>
-              <a:t> </a:t>
-            </a:r>
-            <a:r>
-              <a:rPr lang="en-US" sz="2800" b="1" dirty="0" err="1">
+              <a:t>Allure</a:t>
+            </a:r>
+            <a:r>
+              <a:rPr lang="hu-HU" sz="2800" b="1" dirty="0">
+                <a:solidFill>
+                  <a:srgbClr val="00B050"/>
+                </a:solidFill>
                 <a:latin typeface="Calibri Light"/>
                 <a:cs typeface="Calibri Light"/>
               </a:rPr>
-              <a:t>jelentés</a:t>
-            </a:r>
-            <a:r>
-              <a:rPr lang="en-US" sz="2800" b="1" dirty="0">
-                <a:latin typeface="Calibri Light"/>
-                <a:cs typeface="Calibri Light"/>
-              </a:rPr>
-              <a:t> : Allure </a:t>
-            </a:r>
-            <a:r>
-              <a:rPr lang="en-US" sz="2800" b="1" dirty="0" err="1">
-                <a:latin typeface="Calibri Light"/>
-                <a:cs typeface="Calibri Light"/>
-              </a:rPr>
-              <a:t>riport</a:t>
-            </a:r>
-            <a:endParaRPr lang="en-US" sz="2800" b="1" dirty="0">
-              <a:latin typeface="Calibri Light"/>
-              <a:cs typeface="Calibri Light"/>
-            </a:endParaRPr>
-          </a:p>
-          <a:p>
-            <a:r>
-              <a:rPr lang="en-US" sz="2800" dirty="0">
-                <a:ea typeface="+mn-lt"/>
-                <a:cs typeface="+mn-lt"/>
-              </a:rPr>
-              <a:t>https://mirkics.github.io/conduit/40/</a:t>
-            </a:r>
-            <a:endParaRPr lang="en-US" dirty="0"/>
+              <a:t> riport</a:t>
+            </a:r>
           </a:p>
         </p:txBody>
       </p:sp>
       <p:pic>
         <p:nvPicPr>
-          <p:cNvPr id="5" name="Kép 4"/>
+          <p:cNvPr id="3" name="Picture 2">
+            <a:extLst>
+              <a:ext uri="{FF2B5EF4-FFF2-40B4-BE49-F238E27FC236}">
+                <a16:creationId xmlns:a16="http://schemas.microsoft.com/office/drawing/2014/main" id="{4B6AF25C-36F2-4445-8C32-CA3DD5C20838}"/>
+              </a:ext>
+            </a:extLst>
+          </p:cNvPr>
           <p:cNvPicPr>
             <a:picLocks noChangeAspect="1"/>
           </p:cNvPicPr>
@@ -3811,8 +4213,8 @@
         </p:blipFill>
         <p:spPr>
           <a:xfrm>
-            <a:off x="248952" y="1049760"/>
-            <a:ext cx="7635902" cy="4168501"/>
+            <a:off x="217618" y="785738"/>
+            <a:ext cx="5668166" cy="5277587"/>
           </a:xfrm>
           <a:prstGeom prst="rect">
             <a:avLst/>
@@ -3821,7 +4223,13 @@
       </p:pic>
       <p:pic>
         <p:nvPicPr>
-          <p:cNvPr id="7" name="Kép 6"/>
+          <p:cNvPr id="8" name="Picture 7">
+            <a:extLst>
+              <a:ext uri="{FF2B5EF4-FFF2-40B4-BE49-F238E27FC236}">
+                <a16:creationId xmlns:a16="http://schemas.microsoft.com/office/drawing/2014/main" id="{7427966B-5C4C-4569-ADA4-0E3FBF15F94A}"/>
+              </a:ext>
+            </a:extLst>
+          </p:cNvPr>
           <p:cNvPicPr>
             <a:picLocks noChangeAspect="1"/>
           </p:cNvPicPr>
@@ -3835,8 +4243,8 @@
         </p:blipFill>
         <p:spPr>
           <a:xfrm>
-            <a:off x="7884854" y="3946908"/>
-            <a:ext cx="3856054" cy="2911092"/>
+            <a:off x="5885784" y="1994993"/>
+            <a:ext cx="4658375" cy="4077269"/>
           </a:xfrm>
           <a:prstGeom prst="rect">
             <a:avLst/>
@@ -3859,6 +4267,17 @@
 <file path=ppt/slides/slide5.xml><?xml version="1.0" encoding="utf-8"?>
 <p:sld xmlns:a="http://schemas.openxmlformats.org/drawingml/2006/main" xmlns:r="http://schemas.openxmlformats.org/officeDocument/2006/relationships" xmlns:p="http://schemas.openxmlformats.org/presentationml/2006/main">
   <p:cSld>
+    <p:bg>
+      <p:bgPr>
+        <a:solidFill>
+          <a:schemeClr val="accent6">
+            <a:lumMod val="20000"/>
+            <a:lumOff val="80000"/>
+          </a:schemeClr>
+        </a:solidFill>
+        <a:effectLst/>
+      </p:bgPr>
+    </p:bg>
     <p:spTree>
       <p:nvGrpSpPr>
         <p:cNvPr id="1" name=""/>
@@ -3891,50 +4310,34 @@
           <a:lstStyle/>
           <a:p>
             <a:r>
-              <a:rPr lang="en-US" sz="5400" b="1" dirty="0" err="1">
+              <a:rPr lang="hu-HU" sz="5400" b="1" dirty="0">
+                <a:solidFill>
+                  <a:srgbClr val="00B050"/>
+                </a:solidFill>
+                <a:latin typeface="Calibri" panose="020F0502020204030204" pitchFamily="34" charset="0"/>
                 <a:ea typeface="+mj-lt"/>
-                <a:cs typeface="+mj-lt"/>
+                <a:cs typeface="Calibri" panose="020F0502020204030204" pitchFamily="34" charset="0"/>
               </a:rPr>
-              <a:t>Köszönöm</a:t>
-            </a:r>
-            <a:r>
-              <a:rPr lang="en-US" sz="5400" b="1" dirty="0">
+              <a:t>Köszönöm a figyelmet!</a:t>
+            </a:r>
+            <a:br>
+              <a:rPr lang="hu-HU" sz="5400" b="1" dirty="0">
+                <a:solidFill>
+                  <a:srgbClr val="00B050"/>
+                </a:solidFill>
+                <a:latin typeface="Calibri" panose="020F0502020204030204" pitchFamily="34" charset="0"/>
                 <a:ea typeface="+mj-lt"/>
-                <a:cs typeface="+mj-lt"/>
-              </a:rPr>
-              <a:t> a </a:t>
-            </a:r>
-            <a:r>
-              <a:rPr lang="en-US" sz="5400" b="1" dirty="0" err="1">
-                <a:ea typeface="+mj-lt"/>
-                <a:cs typeface="+mj-lt"/>
-              </a:rPr>
-              <a:t>figyelmet</a:t>
-            </a:r>
-            <a:r>
-              <a:rPr lang="en-US" sz="5400" b="1" dirty="0">
-                <a:ea typeface="+mj-lt"/>
-                <a:cs typeface="+mj-lt"/>
-              </a:rPr>
-              <a:t>!</a:t>
-            </a:r>
-            <a:br>
-              <a:rPr lang="en-US" sz="5400" b="1" dirty="0">
-                <a:ea typeface="+mj-lt"/>
-                <a:cs typeface="+mj-lt"/>
+                <a:cs typeface="Calibri" panose="020F0502020204030204" pitchFamily="34" charset="0"/>
               </a:rPr>
             </a:br>
-            <a:r>
-              <a:rPr lang="en-US" sz="5400" b="1" dirty="0">
+            <a:br>
+              <a:rPr lang="hu-HU" sz="5400" b="1" dirty="0">
+                <a:solidFill>
+                  <a:srgbClr val="00B050"/>
+                </a:solidFill>
+                <a:latin typeface="Calibri" panose="020F0502020204030204" pitchFamily="34" charset="0"/>
                 <a:ea typeface="+mj-lt"/>
-                <a:cs typeface="+mj-lt"/>
-              </a:rPr>
-              <a:t/>
-            </a:r>
-            <a:br>
-              <a:rPr lang="en-US" sz="5400" b="1" dirty="0">
-                <a:ea typeface="+mj-lt"/>
-                <a:cs typeface="+mj-lt"/>
+                <a:cs typeface="Calibri" panose="020F0502020204030204" pitchFamily="34" charset="0"/>
               </a:rPr>
             </a:br>
             <a:r>
